--- a/yocto/环境构筑.pptx
+++ b/yocto/环境构筑.pptx
@@ -7,6 +7,18 @@
   <p:sldIdLst>
     <p:sldId id="256" r:id="rId2"/>
     <p:sldId id="258" r:id="rId3"/>
+    <p:sldId id="259" r:id="rId4"/>
+    <p:sldId id="267" r:id="rId5"/>
+    <p:sldId id="260" r:id="rId6"/>
+    <p:sldId id="261" r:id="rId7"/>
+    <p:sldId id="264" r:id="rId8"/>
+    <p:sldId id="265" r:id="rId9"/>
+    <p:sldId id="266" r:id="rId10"/>
+    <p:sldId id="268" r:id="rId11"/>
+    <p:sldId id="272" r:id="rId12"/>
+    <p:sldId id="273" r:id="rId13"/>
+    <p:sldId id="270" r:id="rId14"/>
+    <p:sldId id="271" r:id="rId15"/>
   </p:sldIdLst>
   <p:sldSz cx="12192000" cy="6858000"/>
   <p:notesSz cx="6858000" cy="9144000"/>
@@ -112,9 +124,56 @@
           <p14:sldIdLst>
             <p14:sldId id="256"/>
             <p14:sldId id="258"/>
+            <p14:sldId id="259"/>
+            <p14:sldId id="267"/>
+          </p14:sldIdLst>
+        </p14:section>
+        <p14:section name="apt" id="{4C2099FA-FCB8-419F-99D3-46884358AC5B}">
+          <p14:sldIdLst>
+            <p14:sldId id="260"/>
+            <p14:sldId id="261"/>
+          </p14:sldIdLst>
+        </p14:section>
+        <p14:section name="增强工具" id="{291745C1-95CA-421D-A4ED-D5DF86F6CFC7}">
+          <p14:sldIdLst>
+            <p14:sldId id="264"/>
+            <p14:sldId id="265"/>
+          </p14:sldIdLst>
+        </p14:section>
+        <p14:section name="git" id="{8D15FA12-E882-4818-BC6B-B23A49A2AB9C}">
+          <p14:sldIdLst>
+            <p14:sldId id="266"/>
+          </p14:sldIdLst>
+        </p14:section>
+        <p14:section name="wget" id="{23CFD536-9B87-4148-ADB0-74F8E8A029CD}">
+          <p14:sldIdLst>
+            <p14:sldId id="268"/>
+          </p14:sldIdLst>
+        </p14:section>
+        <p14:section name="samba" id="{248B34E8-8935-4454-AB5B-E055D90B2C15}">
+          <p14:sldIdLst>
+            <p14:sldId id="272"/>
+          </p14:sldIdLst>
+        </p14:section>
+        <p14:section name="uGet" id="{64184A2E-B92A-4D51-B3FA-7EB3466EB93E}">
+          <p14:sldIdLst>
+            <p14:sldId id="273"/>
+          </p14:sldIdLst>
+        </p14:section>
+        <p14:section name="其他" id="{8B8D47A1-B9D4-4241-8808-6EEADDB045C9}">
+          <p14:sldIdLst>
+            <p14:sldId id="270"/>
+          </p14:sldIdLst>
+        </p14:section>
+        <p14:section name="Yocto初步" id="{D08705C6-A67D-4458-BBE8-03F7D8C724F6}">
+          <p14:sldIdLst>
+            <p14:sldId id="271"/>
           </p14:sldIdLst>
         </p14:section>
       </p14:sectionLst>
+    </p:ext>
+    <p:ext uri="{EFAFB233-063F-42B5-8137-9DF3F51BA10A}">
+      <p15:sldGuideLst xmlns:p15="http://schemas.microsoft.com/office/powerpoint/2012/main"/>
     </p:ext>
   </p:extLst>
 </p:presentation>
@@ -2977,10 +3036,1025 @@
           <a:chExt cx="0" cy="0"/>
         </a:xfrm>
       </p:grpSpPr>
+      <p:sp>
+        <p:nvSpPr>
+          <p:cNvPr id="2" name="文本框 1"/>
+          <p:cNvSpPr txBox="1"/>
+          <p:nvPr/>
+        </p:nvSpPr>
+        <p:spPr>
+          <a:xfrm>
+            <a:off x="774700" y="685800"/>
+            <a:ext cx="10756900" cy="1200329"/>
+          </a:xfrm>
+          <a:prstGeom prst="rect">
+            <a:avLst/>
+          </a:prstGeom>
+          <a:noFill/>
+        </p:spPr>
+        <p:txBody>
+          <a:bodyPr wrap="square" rtlCol="0">
+            <a:spAutoFit/>
+          </a:bodyPr>
+          <a:lstStyle/>
+          <a:p>
+            <a:r>
+              <a:rPr lang="zh-CN" altLang="en-US" dirty="0"/>
+              <a:t>虚拟</a:t>
+            </a:r>
+            <a:r>
+              <a:rPr lang="zh-CN" altLang="en-US" dirty="0" smtClean="0"/>
+              <a:t>机软件：</a:t>
+            </a:r>
+            <a:r>
+              <a:rPr lang="en-US" altLang="zh-CN" dirty="0" smtClean="0"/>
+              <a:t>Virtual BOX		</a:t>
+            </a:r>
+            <a:r>
+              <a:rPr lang="zh-CN" altLang="en-US" dirty="0" smtClean="0"/>
+              <a:t>最新版</a:t>
+            </a:r>
+            <a:endParaRPr lang="en-US" altLang="zh-CN" dirty="0" smtClean="0"/>
+          </a:p>
+          <a:p>
+            <a:r>
+              <a:rPr kumimoji="1" lang="en-US" altLang="zh-CN" dirty="0" smtClean="0"/>
+              <a:t>Linux</a:t>
+            </a:r>
+            <a:r>
+              <a:rPr kumimoji="1" lang="zh-CN" altLang="en-US" dirty="0" smtClean="0"/>
+              <a:t>发行版：</a:t>
+            </a:r>
+            <a:r>
+              <a:rPr kumimoji="1" lang="en-US" altLang="zh-CN" dirty="0" err="1" smtClean="0"/>
+              <a:t>Debian</a:t>
+            </a:r>
+            <a:r>
+              <a:rPr kumimoji="1" lang="en-US" altLang="zh-CN" dirty="0" smtClean="0"/>
+              <a:t>		</a:t>
+            </a:r>
+            <a:r>
+              <a:rPr kumimoji="1" lang="zh-CN" altLang="en-US" dirty="0" smtClean="0"/>
+              <a:t>最新版 目前</a:t>
+            </a:r>
+            <a:r>
+              <a:rPr kumimoji="1" lang="en-US" altLang="zh-CN" dirty="0" err="1" smtClean="0"/>
+              <a:t>Debian</a:t>
+            </a:r>
+            <a:r>
+              <a:rPr kumimoji="1" lang="en-US" altLang="zh-CN" dirty="0" smtClean="0"/>
+              <a:t> 12</a:t>
+            </a:r>
+          </a:p>
+          <a:p>
+            <a:endParaRPr lang="en-US" altLang="zh-CN" dirty="0"/>
+          </a:p>
+          <a:p>
+            <a:r>
+              <a:rPr lang="en-US" altLang="ja-JP" dirty="0" smtClean="0"/>
+              <a:t>※</a:t>
+            </a:r>
+            <a:r>
+              <a:rPr lang="zh-CN" altLang="en-US" dirty="0" smtClean="0"/>
+              <a:t>尝试过 </a:t>
+            </a:r>
+            <a:r>
+              <a:rPr lang="en-US" altLang="zh-CN" dirty="0" smtClean="0"/>
+              <a:t>Ubuntu 24.04 LTS</a:t>
+            </a:r>
+            <a:r>
+              <a:rPr lang="zh-CN" altLang="en-US" dirty="0" smtClean="0"/>
+              <a:t>，虚拟机情况下不稳定，尝试使用更加稳定的</a:t>
+            </a:r>
+            <a:r>
+              <a:rPr lang="en-US" altLang="zh-CN" dirty="0" err="1" smtClean="0"/>
+              <a:t>Debian</a:t>
+            </a:r>
+            <a:endParaRPr kumimoji="1" lang="en-US" altLang="zh-CN" dirty="0" smtClean="0"/>
+          </a:p>
+        </p:txBody>
+      </p:sp>
     </p:spTree>
     <p:extLst>
       <p:ext uri="{BB962C8B-B14F-4D97-AF65-F5344CB8AC3E}">
         <p14:creationId xmlns:p14="http://schemas.microsoft.com/office/powerpoint/2010/main" val="2055817039"/>
+      </p:ext>
+    </p:extLst>
+  </p:cSld>
+  <p:clrMapOvr>
+    <a:masterClrMapping/>
+  </p:clrMapOvr>
+</p:sld>
+</file>
+
+<file path=ppt/slides/slide10.xml><?xml version="1.0" encoding="utf-8"?>
+<p:sld xmlns:a="http://schemas.openxmlformats.org/drawingml/2006/main" xmlns:r="http://schemas.openxmlformats.org/officeDocument/2006/relationships" xmlns:p="http://schemas.openxmlformats.org/presentationml/2006/main">
+  <p:cSld>
+    <p:spTree>
+      <p:nvGrpSpPr>
+        <p:cNvPr id="1" name=""/>
+        <p:cNvGrpSpPr/>
+        <p:nvPr/>
+      </p:nvGrpSpPr>
+      <p:grpSpPr>
+        <a:xfrm>
+          <a:off x="0" y="0"/>
+          <a:ext cx="0" cy="0"/>
+          <a:chOff x="0" y="0"/>
+          <a:chExt cx="0" cy="0"/>
+        </a:xfrm>
+      </p:grpSpPr>
+      <p:sp>
+        <p:nvSpPr>
+          <p:cNvPr id="2" name="文本框 1"/>
+          <p:cNvSpPr txBox="1"/>
+          <p:nvPr/>
+        </p:nvSpPr>
+        <p:spPr>
+          <a:xfrm>
+            <a:off x="749300" y="673100"/>
+            <a:ext cx="10515600" cy="2308324"/>
+          </a:xfrm>
+          <a:prstGeom prst="rect">
+            <a:avLst/>
+          </a:prstGeom>
+          <a:noFill/>
+        </p:spPr>
+        <p:txBody>
+          <a:bodyPr wrap="square" rtlCol="0">
+            <a:spAutoFit/>
+          </a:bodyPr>
+          <a:lstStyle/>
+          <a:p>
+            <a:r>
+              <a:rPr lang="zh-CN" altLang="en-US" dirty="0">
+                <a:sym typeface="Wingdings" panose="05000000000000000000" pitchFamily="2" charset="2"/>
+              </a:rPr>
+              <a:t>默</a:t>
+            </a:r>
+            <a:r>
+              <a:rPr lang="zh-CN" altLang="en-US" dirty="0" smtClean="0">
+                <a:sym typeface="Wingdings" panose="05000000000000000000" pitchFamily="2" charset="2"/>
+              </a:rPr>
+              <a:t>认已经</a:t>
+            </a:r>
+            <a:r>
+              <a:rPr lang="en-US" altLang="zh-CN" dirty="0" err="1" smtClean="0">
+                <a:sym typeface="Wingdings" panose="05000000000000000000" pitchFamily="2" charset="2"/>
+              </a:rPr>
+              <a:t>wget</a:t>
+            </a:r>
+            <a:r>
+              <a:rPr lang="zh-CN" altLang="en-US" dirty="0" smtClean="0">
+                <a:sym typeface="Wingdings" panose="05000000000000000000" pitchFamily="2" charset="2"/>
+              </a:rPr>
+              <a:t>是安装的</a:t>
+            </a:r>
+            <a:endParaRPr lang="en-US" altLang="zh-CN" dirty="0" smtClean="0">
+              <a:sym typeface="Wingdings" panose="05000000000000000000" pitchFamily="2" charset="2"/>
+            </a:endParaRPr>
+          </a:p>
+          <a:p>
+            <a:endParaRPr lang="en-US" altLang="zh-CN" dirty="0">
+              <a:sym typeface="Wingdings" panose="05000000000000000000" pitchFamily="2" charset="2"/>
+            </a:endParaRPr>
+          </a:p>
+          <a:p>
+            <a:r>
+              <a:rPr lang="en-US" altLang="zh-CN" dirty="0" smtClean="0">
+                <a:sym typeface="Wingdings" panose="05000000000000000000" pitchFamily="2" charset="2"/>
+              </a:rPr>
+              <a:t>vi </a:t>
+            </a:r>
+            <a:r>
+              <a:rPr lang="en-US" altLang="zh-CN" dirty="0">
+                <a:sym typeface="Wingdings" panose="05000000000000000000" pitchFamily="2" charset="2"/>
+              </a:rPr>
+              <a:t>~/.</a:t>
+            </a:r>
+            <a:r>
+              <a:rPr lang="en-US" altLang="zh-CN" dirty="0" err="1">
+                <a:sym typeface="Wingdings" panose="05000000000000000000" pitchFamily="2" charset="2"/>
+              </a:rPr>
+              <a:t>wgetrc</a:t>
+            </a:r>
+            <a:endParaRPr lang="en-US" altLang="zh-CN" dirty="0">
+              <a:sym typeface="Wingdings" panose="05000000000000000000" pitchFamily="2" charset="2"/>
+            </a:endParaRPr>
+          </a:p>
+          <a:p>
+            <a:r>
+              <a:rPr lang="en-US" altLang="zh-CN" dirty="0" err="1">
+                <a:sym typeface="Wingdings" panose="05000000000000000000" pitchFamily="2" charset="2"/>
+              </a:rPr>
+              <a:t>https_proxy</a:t>
+            </a:r>
+            <a:r>
+              <a:rPr lang="en-US" altLang="zh-CN" dirty="0">
+                <a:sym typeface="Wingdings" panose="05000000000000000000" pitchFamily="2" charset="2"/>
+              </a:rPr>
+              <a:t> = http://192.168.120.1:8080</a:t>
+            </a:r>
+          </a:p>
+          <a:p>
+            <a:r>
+              <a:rPr lang="en-US" altLang="zh-CN" dirty="0" err="1">
+                <a:sym typeface="Wingdings" panose="05000000000000000000" pitchFamily="2" charset="2"/>
+              </a:rPr>
+              <a:t>http_proxy</a:t>
+            </a:r>
+            <a:r>
+              <a:rPr lang="en-US" altLang="zh-CN" dirty="0">
+                <a:sym typeface="Wingdings" panose="05000000000000000000" pitchFamily="2" charset="2"/>
+              </a:rPr>
+              <a:t> = http://192.168.120.1:8080</a:t>
+            </a:r>
+          </a:p>
+          <a:p>
+            <a:r>
+              <a:rPr lang="en-US" altLang="zh-CN" dirty="0" err="1">
+                <a:sym typeface="Wingdings" panose="05000000000000000000" pitchFamily="2" charset="2"/>
+              </a:rPr>
+              <a:t>ftp_proxy</a:t>
+            </a:r>
+            <a:r>
+              <a:rPr lang="en-US" altLang="zh-CN" dirty="0">
+                <a:sym typeface="Wingdings" panose="05000000000000000000" pitchFamily="2" charset="2"/>
+              </a:rPr>
+              <a:t> = http://192.168.120.1:8080</a:t>
+            </a:r>
+          </a:p>
+          <a:p>
+            <a:r>
+              <a:rPr lang="en-US" altLang="zh-CN" dirty="0" err="1">
+                <a:sym typeface="Wingdings" panose="05000000000000000000" pitchFamily="2" charset="2"/>
+              </a:rPr>
+              <a:t>no_proxy</a:t>
+            </a:r>
+            <a:r>
+              <a:rPr lang="en-US" altLang="zh-CN" dirty="0">
+                <a:sym typeface="Wingdings" panose="05000000000000000000" pitchFamily="2" charset="2"/>
+              </a:rPr>
+              <a:t> = 192.168.120.1:8080;127.0.0.1</a:t>
+            </a:r>
+          </a:p>
+          <a:p>
+            <a:r>
+              <a:rPr lang="en-US" altLang="zh-CN" dirty="0" err="1">
+                <a:sym typeface="Wingdings" panose="05000000000000000000" pitchFamily="2" charset="2"/>
+              </a:rPr>
+              <a:t>use_proxy</a:t>
+            </a:r>
+            <a:r>
+              <a:rPr lang="en-US" altLang="zh-CN" dirty="0">
+                <a:sym typeface="Wingdings" panose="05000000000000000000" pitchFamily="2" charset="2"/>
+              </a:rPr>
+              <a:t> = on</a:t>
+            </a:r>
+            <a:endParaRPr lang="en-US" altLang="zh-CN" dirty="0" smtClean="0">
+              <a:sym typeface="Wingdings" panose="05000000000000000000" pitchFamily="2" charset="2"/>
+            </a:endParaRPr>
+          </a:p>
+        </p:txBody>
+      </p:sp>
+    </p:spTree>
+    <p:extLst>
+      <p:ext uri="{BB962C8B-B14F-4D97-AF65-F5344CB8AC3E}">
+        <p14:creationId xmlns:p14="http://schemas.microsoft.com/office/powerpoint/2010/main" val="802938799"/>
+      </p:ext>
+    </p:extLst>
+  </p:cSld>
+  <p:clrMapOvr>
+    <a:masterClrMapping/>
+  </p:clrMapOvr>
+</p:sld>
+</file>
+
+<file path=ppt/slides/slide11.xml><?xml version="1.0" encoding="utf-8"?>
+<p:sld xmlns:a="http://schemas.openxmlformats.org/drawingml/2006/main" xmlns:r="http://schemas.openxmlformats.org/officeDocument/2006/relationships" xmlns:p="http://schemas.openxmlformats.org/presentationml/2006/main">
+  <p:cSld>
+    <p:spTree>
+      <p:nvGrpSpPr>
+        <p:cNvPr id="1" name=""/>
+        <p:cNvGrpSpPr/>
+        <p:nvPr/>
+      </p:nvGrpSpPr>
+      <p:grpSpPr>
+        <a:xfrm>
+          <a:off x="0" y="0"/>
+          <a:ext cx="0" cy="0"/>
+          <a:chOff x="0" y="0"/>
+          <a:chExt cx="0" cy="0"/>
+        </a:xfrm>
+      </p:grpSpPr>
+      <p:sp>
+        <p:nvSpPr>
+          <p:cNvPr id="2" name="文本框 1"/>
+          <p:cNvSpPr txBox="1"/>
+          <p:nvPr/>
+        </p:nvSpPr>
+        <p:spPr>
+          <a:xfrm>
+            <a:off x="508000" y="254000"/>
+            <a:ext cx="10515600" cy="6463308"/>
+          </a:xfrm>
+          <a:prstGeom prst="rect">
+            <a:avLst/>
+          </a:prstGeom>
+          <a:noFill/>
+        </p:spPr>
+        <p:txBody>
+          <a:bodyPr wrap="square" rtlCol="0">
+            <a:spAutoFit/>
+          </a:bodyPr>
+          <a:lstStyle/>
+          <a:p>
+            <a:r>
+              <a:rPr lang="arn-CL" altLang="zh-CN" dirty="0">
+                <a:sym typeface="Wingdings" panose="05000000000000000000" pitchFamily="2" charset="2"/>
+              </a:rPr>
+              <a:t>sudo apt install </a:t>
+            </a:r>
+            <a:r>
+              <a:rPr lang="en-US" altLang="zh-CN" dirty="0" smtClean="0">
+                <a:sym typeface="Wingdings" panose="05000000000000000000" pitchFamily="2" charset="2"/>
+              </a:rPr>
+              <a:t>samba</a:t>
+            </a:r>
+          </a:p>
+          <a:p>
+            <a:endParaRPr lang="en-US" altLang="zh-CN" dirty="0">
+              <a:sym typeface="Wingdings" panose="05000000000000000000" pitchFamily="2" charset="2"/>
+            </a:endParaRPr>
+          </a:p>
+          <a:p>
+            <a:r>
+              <a:rPr lang="en-US" altLang="zh-CN" dirty="0" err="1" smtClean="0">
+                <a:sym typeface="Wingdings" panose="05000000000000000000" pitchFamily="2" charset="2"/>
+              </a:rPr>
+              <a:t>sudo</a:t>
+            </a:r>
+            <a:r>
+              <a:rPr lang="en-US" altLang="zh-CN" dirty="0" smtClean="0">
+                <a:sym typeface="Wingdings" panose="05000000000000000000" pitchFamily="2" charset="2"/>
+              </a:rPr>
+              <a:t> </a:t>
+            </a:r>
+            <a:r>
+              <a:rPr lang="en-US" altLang="zh-CN" dirty="0" err="1" smtClean="0">
+                <a:sym typeface="Wingdings" panose="05000000000000000000" pitchFamily="2" charset="2"/>
+              </a:rPr>
+              <a:t>smbpasswd</a:t>
+            </a:r>
+            <a:r>
+              <a:rPr lang="en-US" altLang="zh-CN" dirty="0" smtClean="0">
+                <a:sym typeface="Wingdings" panose="05000000000000000000" pitchFamily="2" charset="2"/>
+              </a:rPr>
+              <a:t> -a fsd		// </a:t>
+            </a:r>
+            <a:r>
+              <a:rPr lang="zh-CN" altLang="en-US" dirty="0" smtClean="0">
+                <a:sym typeface="Wingdings" panose="05000000000000000000" pitchFamily="2" charset="2"/>
+              </a:rPr>
+              <a:t>将</a:t>
+            </a:r>
+            <a:r>
+              <a:rPr lang="en-US" altLang="zh-CN" dirty="0" smtClean="0">
+                <a:sym typeface="Wingdings" panose="05000000000000000000" pitchFamily="2" charset="2"/>
+              </a:rPr>
+              <a:t>fsd</a:t>
+            </a:r>
+            <a:r>
+              <a:rPr lang="zh-CN" altLang="en-US" dirty="0" smtClean="0">
+                <a:sym typeface="Wingdings" panose="05000000000000000000" pitchFamily="2" charset="2"/>
+              </a:rPr>
+              <a:t>加入到</a:t>
+            </a:r>
+            <a:r>
+              <a:rPr lang="en-US" altLang="zh-CN" dirty="0" smtClean="0">
+                <a:sym typeface="Wingdings" panose="05000000000000000000" pitchFamily="2" charset="2"/>
+              </a:rPr>
+              <a:t>samba</a:t>
+            </a:r>
+            <a:r>
+              <a:rPr lang="zh-CN" altLang="en-US" dirty="0" smtClean="0">
+                <a:sym typeface="Wingdings" panose="05000000000000000000" pitchFamily="2" charset="2"/>
+              </a:rPr>
+              <a:t>中，设置密码</a:t>
+            </a:r>
+            <a:endParaRPr lang="en-US" altLang="zh-CN" dirty="0" smtClean="0">
+              <a:sym typeface="Wingdings" panose="05000000000000000000" pitchFamily="2" charset="2"/>
+            </a:endParaRPr>
+          </a:p>
+          <a:p>
+            <a:endParaRPr lang="en-US" altLang="zh-CN" dirty="0">
+              <a:sym typeface="Wingdings" panose="05000000000000000000" pitchFamily="2" charset="2"/>
+            </a:endParaRPr>
+          </a:p>
+          <a:p>
+            <a:r>
+              <a:rPr lang="en-US" altLang="zh-CN" dirty="0">
+                <a:sym typeface="Wingdings" panose="05000000000000000000" pitchFamily="2" charset="2"/>
+              </a:rPr>
+              <a:t>/</a:t>
+            </a:r>
+            <a:r>
+              <a:rPr lang="en-US" altLang="zh-CN" dirty="0" err="1" smtClean="0">
+                <a:sym typeface="Wingdings" panose="05000000000000000000" pitchFamily="2" charset="2"/>
+              </a:rPr>
+              <a:t>etc</a:t>
+            </a:r>
+            <a:r>
+              <a:rPr lang="en-US" altLang="zh-CN" dirty="0" smtClean="0">
+                <a:sym typeface="Wingdings" panose="05000000000000000000" pitchFamily="2" charset="2"/>
+              </a:rPr>
+              <a:t>/samba/</a:t>
+            </a:r>
+            <a:r>
+              <a:rPr lang="en-US" altLang="zh-CN" dirty="0" err="1" smtClean="0">
+                <a:sym typeface="Wingdings" panose="05000000000000000000" pitchFamily="2" charset="2"/>
+              </a:rPr>
+              <a:t>smb.conf</a:t>
+            </a:r>
+            <a:endParaRPr lang="en-US" altLang="zh-CN" dirty="0" smtClean="0">
+              <a:sym typeface="Wingdings" panose="05000000000000000000" pitchFamily="2" charset="2"/>
+            </a:endParaRPr>
+          </a:p>
+          <a:p>
+            <a:r>
+              <a:rPr lang="en-US" altLang="zh-CN" dirty="0">
+                <a:sym typeface="Wingdings" panose="05000000000000000000" pitchFamily="2" charset="2"/>
+              </a:rPr>
+              <a:t>[</a:t>
+            </a:r>
+            <a:r>
+              <a:rPr lang="en-US" altLang="zh-CN" dirty="0" err="1">
+                <a:sym typeface="Wingdings" panose="05000000000000000000" pitchFamily="2" charset="2"/>
+              </a:rPr>
+              <a:t>vm_share</a:t>
+            </a:r>
+            <a:r>
+              <a:rPr lang="en-US" altLang="zh-CN" dirty="0">
+                <a:sym typeface="Wingdings" panose="05000000000000000000" pitchFamily="2" charset="2"/>
+              </a:rPr>
+              <a:t>]</a:t>
+            </a:r>
+          </a:p>
+          <a:p>
+            <a:r>
+              <a:rPr lang="en-US" altLang="zh-CN" dirty="0">
+                <a:sym typeface="Wingdings" panose="05000000000000000000" pitchFamily="2" charset="2"/>
+              </a:rPr>
+              <a:t>   path = /</a:t>
+            </a:r>
+            <a:r>
+              <a:rPr lang="en-US" altLang="zh-CN" dirty="0" smtClean="0">
+                <a:sym typeface="Wingdings" panose="05000000000000000000" pitchFamily="2" charset="2"/>
+              </a:rPr>
+              <a:t>home/fsd/</a:t>
+            </a:r>
+            <a:r>
+              <a:rPr lang="en-US" altLang="zh-CN" dirty="0" err="1" smtClean="0">
+                <a:sym typeface="Wingdings" panose="05000000000000000000" pitchFamily="2" charset="2"/>
+              </a:rPr>
+              <a:t>vm_share</a:t>
+            </a:r>
+            <a:endParaRPr lang="en-US" altLang="zh-CN" dirty="0">
+              <a:sym typeface="Wingdings" panose="05000000000000000000" pitchFamily="2" charset="2"/>
+            </a:endParaRPr>
+          </a:p>
+          <a:p>
+            <a:r>
+              <a:rPr lang="en-US" altLang="zh-CN" dirty="0">
+                <a:sym typeface="Wingdings" panose="05000000000000000000" pitchFamily="2" charset="2"/>
+              </a:rPr>
+              <a:t>   </a:t>
+            </a:r>
+            <a:r>
+              <a:rPr lang="en-US" altLang="zh-CN" dirty="0" err="1">
+                <a:sym typeface="Wingdings" panose="05000000000000000000" pitchFamily="2" charset="2"/>
+              </a:rPr>
+              <a:t>browseable</a:t>
+            </a:r>
+            <a:r>
+              <a:rPr lang="en-US" altLang="zh-CN" dirty="0">
+                <a:sym typeface="Wingdings" panose="05000000000000000000" pitchFamily="2" charset="2"/>
+              </a:rPr>
+              <a:t> = yes</a:t>
+            </a:r>
+          </a:p>
+          <a:p>
+            <a:r>
+              <a:rPr lang="en-US" altLang="zh-CN" dirty="0">
+                <a:sym typeface="Wingdings" panose="05000000000000000000" pitchFamily="2" charset="2"/>
+              </a:rPr>
+              <a:t>   guest ok = yes</a:t>
+            </a:r>
+          </a:p>
+          <a:p>
+            <a:r>
+              <a:rPr lang="en-US" altLang="zh-CN" dirty="0">
+                <a:sym typeface="Wingdings" panose="05000000000000000000" pitchFamily="2" charset="2"/>
+              </a:rPr>
+              <a:t>   read only = no</a:t>
+            </a:r>
+          </a:p>
+          <a:p>
+            <a:r>
+              <a:rPr lang="en-US" altLang="zh-CN" dirty="0">
+                <a:sym typeface="Wingdings" panose="05000000000000000000" pitchFamily="2" charset="2"/>
+              </a:rPr>
+              <a:t>   valid users = </a:t>
+            </a:r>
+            <a:r>
+              <a:rPr lang="en-US" altLang="zh-CN" dirty="0" smtClean="0">
+                <a:sym typeface="Wingdings" panose="05000000000000000000" pitchFamily="2" charset="2"/>
+              </a:rPr>
+              <a:t>fsd</a:t>
+            </a:r>
+          </a:p>
+          <a:p>
+            <a:endParaRPr lang="en-US" altLang="zh-CN" dirty="0">
+              <a:sym typeface="Wingdings" panose="05000000000000000000" pitchFamily="2" charset="2"/>
+            </a:endParaRPr>
+          </a:p>
+          <a:p>
+            <a:r>
+              <a:rPr lang="en-US" altLang="zh-CN" dirty="0" err="1">
+                <a:sym typeface="Wingdings" panose="05000000000000000000" pitchFamily="2" charset="2"/>
+              </a:rPr>
+              <a:t>testparm</a:t>
+            </a:r>
+            <a:r>
+              <a:rPr lang="en-US" altLang="zh-CN" dirty="0">
+                <a:sym typeface="Wingdings" panose="05000000000000000000" pitchFamily="2" charset="2"/>
+              </a:rPr>
+              <a:t> /</a:t>
+            </a:r>
+            <a:r>
+              <a:rPr lang="en-US" altLang="zh-CN" dirty="0" err="1" smtClean="0">
+                <a:sym typeface="Wingdings" panose="05000000000000000000" pitchFamily="2" charset="2"/>
+              </a:rPr>
+              <a:t>etc</a:t>
+            </a:r>
+            <a:r>
+              <a:rPr lang="en-US" altLang="zh-CN" dirty="0" smtClean="0">
+                <a:sym typeface="Wingdings" panose="05000000000000000000" pitchFamily="2" charset="2"/>
+              </a:rPr>
+              <a:t>/samba/</a:t>
+            </a:r>
+            <a:r>
+              <a:rPr lang="en-US" altLang="zh-CN" dirty="0" err="1" smtClean="0">
+                <a:sym typeface="Wingdings" panose="05000000000000000000" pitchFamily="2" charset="2"/>
+              </a:rPr>
+              <a:t>smb.conf</a:t>
+            </a:r>
+            <a:r>
+              <a:rPr lang="en-US" altLang="zh-CN" dirty="0" smtClean="0">
+                <a:sym typeface="Wingdings" panose="05000000000000000000" pitchFamily="2" charset="2"/>
+              </a:rPr>
+              <a:t>	// </a:t>
+            </a:r>
+            <a:r>
+              <a:rPr lang="zh-CN" altLang="en-US" dirty="0" smtClean="0">
+                <a:sym typeface="Wingdings" panose="05000000000000000000" pitchFamily="2" charset="2"/>
+              </a:rPr>
+              <a:t>测试</a:t>
+            </a:r>
+            <a:r>
+              <a:rPr lang="en-US" altLang="zh-CN" dirty="0" err="1" smtClean="0">
+                <a:sym typeface="Wingdings" panose="05000000000000000000" pitchFamily="2" charset="2"/>
+              </a:rPr>
+              <a:t>smb.conf</a:t>
+            </a:r>
+            <a:r>
+              <a:rPr lang="zh-CN" altLang="en-US" dirty="0" smtClean="0">
+                <a:sym typeface="Wingdings" panose="05000000000000000000" pitchFamily="2" charset="2"/>
+              </a:rPr>
+              <a:t>有无错误</a:t>
+            </a:r>
+            <a:endParaRPr lang="en-US" altLang="zh-CN" dirty="0" smtClean="0">
+              <a:sym typeface="Wingdings" panose="05000000000000000000" pitchFamily="2" charset="2"/>
+            </a:endParaRPr>
+          </a:p>
+          <a:p>
+            <a:endParaRPr lang="en-US" altLang="zh-CN" dirty="0">
+              <a:sym typeface="Wingdings" panose="05000000000000000000" pitchFamily="2" charset="2"/>
+            </a:endParaRPr>
+          </a:p>
+          <a:p>
+            <a:r>
+              <a:rPr lang="zh-CN" altLang="en-US" dirty="0" smtClean="0">
+                <a:sym typeface="Wingdings" panose="05000000000000000000" pitchFamily="2" charset="2"/>
+              </a:rPr>
+              <a:t>虚拟机添加</a:t>
+            </a:r>
+            <a:r>
+              <a:rPr lang="en-US" altLang="zh-CN" dirty="0" smtClean="0">
+                <a:sym typeface="Wingdings" panose="05000000000000000000" pitchFamily="2" charset="2"/>
+              </a:rPr>
+              <a:t>1</a:t>
+            </a:r>
+            <a:r>
+              <a:rPr lang="zh-CN" altLang="en-US" dirty="0" smtClean="0">
+                <a:sym typeface="Wingdings" panose="05000000000000000000" pitchFamily="2" charset="2"/>
+              </a:rPr>
+              <a:t>块网卡，仅主机</a:t>
+            </a:r>
+            <a:r>
+              <a:rPr lang="en-US" altLang="zh-CN" dirty="0" smtClean="0">
+                <a:sym typeface="Wingdings" panose="05000000000000000000" pitchFamily="2" charset="2"/>
+              </a:rPr>
+              <a:t>Host-only</a:t>
+            </a:r>
+          </a:p>
+          <a:p>
+            <a:endParaRPr lang="en-US" altLang="zh-CN" dirty="0">
+              <a:sym typeface="Wingdings" panose="05000000000000000000" pitchFamily="2" charset="2"/>
+            </a:endParaRPr>
+          </a:p>
+          <a:p>
+            <a:endParaRPr lang="en-US" altLang="zh-CN" dirty="0" smtClean="0">
+              <a:sym typeface="Wingdings" panose="05000000000000000000" pitchFamily="2" charset="2"/>
+            </a:endParaRPr>
+          </a:p>
+          <a:p>
+            <a:r>
+              <a:rPr lang="zh-CN" altLang="en-US" dirty="0">
+                <a:sym typeface="Wingdings" panose="05000000000000000000" pitchFamily="2" charset="2"/>
+              </a:rPr>
+              <a:t>出问</a:t>
+            </a:r>
+            <a:r>
+              <a:rPr lang="zh-CN" altLang="en-US" dirty="0" smtClean="0">
+                <a:sym typeface="Wingdings" panose="05000000000000000000" pitchFamily="2" charset="2"/>
+              </a:rPr>
+              <a:t>题时，确认</a:t>
+            </a:r>
+            <a:endParaRPr lang="en-US" altLang="zh-CN" dirty="0" smtClean="0">
+              <a:sym typeface="Wingdings" panose="05000000000000000000" pitchFamily="2" charset="2"/>
+            </a:endParaRPr>
+          </a:p>
+          <a:p>
+            <a:r>
+              <a:rPr lang="zh-CN" altLang="en-US" dirty="0" smtClean="0">
+                <a:sym typeface="Wingdings" panose="05000000000000000000" pitchFamily="2" charset="2"/>
+              </a:rPr>
+              <a:t>换个显示名，删除</a:t>
+            </a:r>
+            <a:r>
+              <a:rPr lang="en-US" altLang="zh-CN" dirty="0" smtClean="0">
+                <a:sym typeface="Wingdings" panose="05000000000000000000" pitchFamily="2" charset="2"/>
+              </a:rPr>
+              <a:t>windows</a:t>
+            </a:r>
+            <a:r>
+              <a:rPr lang="zh-CN" altLang="en-US" dirty="0" smtClean="0">
+                <a:sym typeface="Wingdings" panose="05000000000000000000" pitchFamily="2" charset="2"/>
+              </a:rPr>
+              <a:t>凭据，重启</a:t>
+            </a:r>
+            <a:r>
+              <a:rPr lang="en-US" altLang="zh-CN" dirty="0" smtClean="0">
+                <a:sym typeface="Wingdings" panose="05000000000000000000" pitchFamily="2" charset="2"/>
+              </a:rPr>
+              <a:t>WorkStation</a:t>
+            </a:r>
+            <a:r>
+              <a:rPr lang="zh-CN" altLang="en-US" dirty="0" smtClean="0">
+                <a:sym typeface="Wingdings" panose="05000000000000000000" pitchFamily="2" charset="2"/>
+              </a:rPr>
+              <a:t>服务</a:t>
+            </a:r>
+            <a:endParaRPr lang="en-US" altLang="zh-CN" dirty="0" smtClean="0">
+              <a:sym typeface="Wingdings" panose="05000000000000000000" pitchFamily="2" charset="2"/>
+            </a:endParaRPr>
+          </a:p>
+          <a:p>
+            <a:endParaRPr lang="en-US" altLang="zh-CN" dirty="0">
+              <a:sym typeface="Wingdings" panose="05000000000000000000" pitchFamily="2" charset="2"/>
+            </a:endParaRPr>
+          </a:p>
+          <a:p>
+            <a:r>
+              <a:rPr lang="en-US" altLang="zh-CN" dirty="0" smtClean="0">
+                <a:sym typeface="Wingdings" panose="05000000000000000000" pitchFamily="2" charset="2"/>
+              </a:rPr>
+              <a:t>/</a:t>
+            </a:r>
+            <a:r>
+              <a:rPr lang="en-US" altLang="zh-CN" dirty="0" err="1" smtClean="0">
+                <a:sym typeface="Wingdings" panose="05000000000000000000" pitchFamily="2" charset="2"/>
+              </a:rPr>
+              <a:t>etc</a:t>
+            </a:r>
+            <a:r>
+              <a:rPr lang="en-US" altLang="zh-CN" dirty="0" smtClean="0">
+                <a:sym typeface="Wingdings" panose="05000000000000000000" pitchFamily="2" charset="2"/>
+              </a:rPr>
+              <a:t>/network/interfaces</a:t>
+            </a:r>
+            <a:endParaRPr lang="en-US" altLang="zh-CN" dirty="0">
+              <a:sym typeface="Wingdings" panose="05000000000000000000" pitchFamily="2" charset="2"/>
+            </a:endParaRPr>
+          </a:p>
+          <a:p>
+            <a:r>
+              <a:rPr lang="en-US" altLang="zh-CN" dirty="0">
+                <a:sym typeface="Wingdings" panose="05000000000000000000" pitchFamily="2" charset="2"/>
+              </a:rPr>
+              <a:t>allow-</a:t>
+            </a:r>
+            <a:r>
+              <a:rPr lang="en-US" altLang="zh-CN" dirty="0" err="1">
+                <a:sym typeface="Wingdings" panose="05000000000000000000" pitchFamily="2" charset="2"/>
+              </a:rPr>
+              <a:t>hotplug</a:t>
+            </a:r>
+            <a:r>
+              <a:rPr lang="en-US" altLang="zh-CN" dirty="0">
+                <a:sym typeface="Wingdings" panose="05000000000000000000" pitchFamily="2" charset="2"/>
+              </a:rPr>
+              <a:t> enp0s8</a:t>
+            </a:r>
+          </a:p>
+          <a:p>
+            <a:r>
+              <a:rPr lang="en-US" altLang="zh-CN" dirty="0" err="1">
+                <a:sym typeface="Wingdings" panose="05000000000000000000" pitchFamily="2" charset="2"/>
+              </a:rPr>
+              <a:t>iface</a:t>
+            </a:r>
+            <a:r>
+              <a:rPr lang="en-US" altLang="zh-CN" dirty="0">
+                <a:sym typeface="Wingdings" panose="05000000000000000000" pitchFamily="2" charset="2"/>
+              </a:rPr>
+              <a:t> enp0s8 </a:t>
+            </a:r>
+            <a:r>
+              <a:rPr lang="en-US" altLang="zh-CN" dirty="0" err="1">
+                <a:sym typeface="Wingdings" panose="05000000000000000000" pitchFamily="2" charset="2"/>
+              </a:rPr>
+              <a:t>inet</a:t>
+            </a:r>
+            <a:r>
+              <a:rPr lang="en-US" altLang="zh-CN" dirty="0">
+                <a:sym typeface="Wingdings" panose="05000000000000000000" pitchFamily="2" charset="2"/>
+              </a:rPr>
+              <a:t> </a:t>
+            </a:r>
+            <a:r>
+              <a:rPr lang="en-US" altLang="zh-CN" dirty="0" err="1">
+                <a:sym typeface="Wingdings" panose="05000000000000000000" pitchFamily="2" charset="2"/>
+              </a:rPr>
+              <a:t>dhcp</a:t>
+            </a:r>
+            <a:r>
+              <a:rPr lang="en-US" altLang="zh-CN" dirty="0">
+                <a:sym typeface="Wingdings" panose="05000000000000000000" pitchFamily="2" charset="2"/>
+              </a:rPr>
+              <a:t> </a:t>
+            </a:r>
+            <a:endParaRPr lang="en-US" altLang="zh-CN" dirty="0" smtClean="0">
+              <a:sym typeface="Wingdings" panose="05000000000000000000" pitchFamily="2" charset="2"/>
+            </a:endParaRPr>
+          </a:p>
+        </p:txBody>
+      </p:sp>
+    </p:spTree>
+    <p:extLst>
+      <p:ext uri="{BB962C8B-B14F-4D97-AF65-F5344CB8AC3E}">
+        <p14:creationId xmlns:p14="http://schemas.microsoft.com/office/powerpoint/2010/main" val="2134975654"/>
+      </p:ext>
+    </p:extLst>
+  </p:cSld>
+  <p:clrMapOvr>
+    <a:masterClrMapping/>
+  </p:clrMapOvr>
+</p:sld>
+</file>
+
+<file path=ppt/slides/slide12.xml><?xml version="1.0" encoding="utf-8"?>
+<p:sld xmlns:a="http://schemas.openxmlformats.org/drawingml/2006/main" xmlns:r="http://schemas.openxmlformats.org/officeDocument/2006/relationships" xmlns:p="http://schemas.openxmlformats.org/presentationml/2006/main">
+  <p:cSld>
+    <p:spTree>
+      <p:nvGrpSpPr>
+        <p:cNvPr id="1" name=""/>
+        <p:cNvGrpSpPr/>
+        <p:nvPr/>
+      </p:nvGrpSpPr>
+      <p:grpSpPr>
+        <a:xfrm>
+          <a:off x="0" y="0"/>
+          <a:ext cx="0" cy="0"/>
+          <a:chOff x="0" y="0"/>
+          <a:chExt cx="0" cy="0"/>
+        </a:xfrm>
+      </p:grpSpPr>
+      <p:sp>
+        <p:nvSpPr>
+          <p:cNvPr id="2" name="文本框 1"/>
+          <p:cNvSpPr txBox="1"/>
+          <p:nvPr/>
+        </p:nvSpPr>
+        <p:spPr>
+          <a:xfrm>
+            <a:off x="850900" y="355600"/>
+            <a:ext cx="10515600" cy="369332"/>
+          </a:xfrm>
+          <a:prstGeom prst="rect">
+            <a:avLst/>
+          </a:prstGeom>
+          <a:noFill/>
+        </p:spPr>
+        <p:txBody>
+          <a:bodyPr wrap="square" rtlCol="0">
+            <a:spAutoFit/>
+          </a:bodyPr>
+          <a:lstStyle/>
+          <a:p>
+            <a:r>
+              <a:rPr lang="arn-CL" altLang="zh-CN" dirty="0">
+                <a:sym typeface="Wingdings" panose="05000000000000000000" pitchFamily="2" charset="2"/>
+              </a:rPr>
+              <a:t>sudo apt install uget</a:t>
+            </a:r>
+            <a:endParaRPr lang="en-US" altLang="zh-CN" dirty="0" smtClean="0">
+              <a:sym typeface="Wingdings" panose="05000000000000000000" pitchFamily="2" charset="2"/>
+            </a:endParaRPr>
+          </a:p>
+        </p:txBody>
+      </p:sp>
+    </p:spTree>
+    <p:extLst>
+      <p:ext uri="{BB962C8B-B14F-4D97-AF65-F5344CB8AC3E}">
+        <p14:creationId xmlns:p14="http://schemas.microsoft.com/office/powerpoint/2010/main" val="3516628596"/>
+      </p:ext>
+    </p:extLst>
+  </p:cSld>
+  <p:clrMapOvr>
+    <a:masterClrMapping/>
+  </p:clrMapOvr>
+</p:sld>
+</file>
+
+<file path=ppt/slides/slide13.xml><?xml version="1.0" encoding="utf-8"?>
+<p:sld xmlns:a="http://schemas.openxmlformats.org/drawingml/2006/main" xmlns:r="http://schemas.openxmlformats.org/officeDocument/2006/relationships" xmlns:p="http://schemas.openxmlformats.org/presentationml/2006/main">
+  <p:cSld>
+    <p:spTree>
+      <p:nvGrpSpPr>
+        <p:cNvPr id="1" name=""/>
+        <p:cNvGrpSpPr/>
+        <p:nvPr/>
+      </p:nvGrpSpPr>
+      <p:grpSpPr>
+        <a:xfrm>
+          <a:off x="0" y="0"/>
+          <a:ext cx="0" cy="0"/>
+          <a:chOff x="0" y="0"/>
+          <a:chExt cx="0" cy="0"/>
+        </a:xfrm>
+      </p:grpSpPr>
+      <p:sp>
+        <p:nvSpPr>
+          <p:cNvPr id="2" name="文本框 1"/>
+          <p:cNvSpPr txBox="1"/>
+          <p:nvPr/>
+        </p:nvSpPr>
+        <p:spPr>
+          <a:xfrm>
+            <a:off x="850900" y="355600"/>
+            <a:ext cx="10515600" cy="646331"/>
+          </a:xfrm>
+          <a:prstGeom prst="rect">
+            <a:avLst/>
+          </a:prstGeom>
+          <a:noFill/>
+        </p:spPr>
+        <p:txBody>
+          <a:bodyPr wrap="square" rtlCol="0">
+            <a:spAutoFit/>
+          </a:bodyPr>
+          <a:lstStyle/>
+          <a:p>
+            <a:r>
+              <a:rPr lang="arn-CL" altLang="zh-CN" dirty="0">
+                <a:sym typeface="Wingdings" panose="05000000000000000000" pitchFamily="2" charset="2"/>
+              </a:rPr>
+              <a:t>sudo apt install </a:t>
+            </a:r>
+            <a:r>
+              <a:rPr lang="en-US" altLang="zh-CN" dirty="0" err="1" smtClean="0">
+                <a:sym typeface="Wingdings" panose="05000000000000000000" pitchFamily="2" charset="2"/>
+              </a:rPr>
+              <a:t>gedit</a:t>
+            </a:r>
+            <a:endParaRPr lang="en-US" altLang="zh-CN" dirty="0" smtClean="0">
+              <a:sym typeface="Wingdings" panose="05000000000000000000" pitchFamily="2" charset="2"/>
+            </a:endParaRPr>
+          </a:p>
+          <a:p>
+            <a:r>
+              <a:rPr lang="en-US" altLang="zh-CN" dirty="0" err="1" smtClean="0">
+                <a:sym typeface="Wingdings" panose="05000000000000000000" pitchFamily="2" charset="2"/>
+              </a:rPr>
+              <a:t>sudo</a:t>
+            </a:r>
+            <a:r>
+              <a:rPr lang="en-US" altLang="zh-CN" dirty="0" smtClean="0">
+                <a:sym typeface="Wingdings" panose="05000000000000000000" pitchFamily="2" charset="2"/>
+              </a:rPr>
+              <a:t> apt install net-tools</a:t>
+            </a:r>
+          </a:p>
+        </p:txBody>
+      </p:sp>
+    </p:spTree>
+    <p:extLst>
+      <p:ext uri="{BB962C8B-B14F-4D97-AF65-F5344CB8AC3E}">
+        <p14:creationId xmlns:p14="http://schemas.microsoft.com/office/powerpoint/2010/main" val="2824073918"/>
+      </p:ext>
+    </p:extLst>
+  </p:cSld>
+  <p:clrMapOvr>
+    <a:masterClrMapping/>
+  </p:clrMapOvr>
+</p:sld>
+</file>
+
+<file path=ppt/slides/slide14.xml><?xml version="1.0" encoding="utf-8"?>
+<p:sld xmlns:a="http://schemas.openxmlformats.org/drawingml/2006/main" xmlns:r="http://schemas.openxmlformats.org/officeDocument/2006/relationships" xmlns:p="http://schemas.openxmlformats.org/presentationml/2006/main">
+  <p:cSld>
+    <p:spTree>
+      <p:nvGrpSpPr>
+        <p:cNvPr id="1" name=""/>
+        <p:cNvGrpSpPr/>
+        <p:nvPr/>
+      </p:nvGrpSpPr>
+      <p:grpSpPr>
+        <a:xfrm>
+          <a:off x="0" y="0"/>
+          <a:ext cx="0" cy="0"/>
+          <a:chOff x="0" y="0"/>
+          <a:chExt cx="0" cy="0"/>
+        </a:xfrm>
+      </p:grpSpPr>
+      <p:sp>
+        <p:nvSpPr>
+          <p:cNvPr id="2" name="文本框 1"/>
+          <p:cNvSpPr txBox="1"/>
+          <p:nvPr/>
+        </p:nvSpPr>
+        <p:spPr>
+          <a:xfrm>
+            <a:off x="635000" y="622300"/>
+            <a:ext cx="10515600" cy="923330"/>
+          </a:xfrm>
+          <a:prstGeom prst="rect">
+            <a:avLst/>
+          </a:prstGeom>
+          <a:noFill/>
+        </p:spPr>
+        <p:txBody>
+          <a:bodyPr wrap="square" rtlCol="0">
+            <a:spAutoFit/>
+          </a:bodyPr>
+          <a:lstStyle/>
+          <a:p>
+            <a:r>
+              <a:rPr lang="arn-CL" altLang="zh-CN" dirty="0">
+                <a:sym typeface="Wingdings" panose="05000000000000000000" pitchFamily="2" charset="2"/>
+                <a:hlinkClick r:id="rId2"/>
+              </a:rPr>
+              <a:t>https://</a:t>
+            </a:r>
+            <a:r>
+              <a:rPr lang="arn-CL" altLang="zh-CN" dirty="0" smtClean="0">
+                <a:sym typeface="Wingdings" panose="05000000000000000000" pitchFamily="2" charset="2"/>
+                <a:hlinkClick r:id="rId2"/>
+              </a:rPr>
+              <a:t>docs.yoctoproject.org/brief-yoctoprojectqs/index.html</a:t>
+            </a:r>
+            <a:endParaRPr lang="arn-CL" altLang="zh-CN" dirty="0" smtClean="0">
+              <a:sym typeface="Wingdings" panose="05000000000000000000" pitchFamily="2" charset="2"/>
+            </a:endParaRPr>
+          </a:p>
+          <a:p>
+            <a:endParaRPr lang="arn-CL" altLang="zh-CN" dirty="0">
+              <a:sym typeface="Wingdings" panose="05000000000000000000" pitchFamily="2" charset="2"/>
+            </a:endParaRPr>
+          </a:p>
+          <a:p>
+            <a:endParaRPr lang="en-US" altLang="zh-CN" dirty="0" smtClean="0">
+              <a:sym typeface="Wingdings" panose="05000000000000000000" pitchFamily="2" charset="2"/>
+            </a:endParaRPr>
+          </a:p>
+        </p:txBody>
+      </p:sp>
+    </p:spTree>
+    <p:extLst>
+      <p:ext uri="{BB962C8B-B14F-4D97-AF65-F5344CB8AC3E}">
+        <p14:creationId xmlns:p14="http://schemas.microsoft.com/office/powerpoint/2010/main" val="1321087971"/>
       </p:ext>
     </p:extLst>
   </p:cSld>
@@ -3007,10 +4081,2081 @@
           <a:chExt cx="0" cy="0"/>
         </a:xfrm>
       </p:grpSpPr>
+      <p:pic>
+        <p:nvPicPr>
+          <p:cNvPr id="2" name="图片 1"/>
+          <p:cNvPicPr>
+            <a:picLocks noChangeAspect="1"/>
+          </p:cNvPicPr>
+          <p:nvPr/>
+        </p:nvPicPr>
+        <p:blipFill>
+          <a:blip r:embed="rId2"/>
+          <a:stretch>
+            <a:fillRect/>
+          </a:stretch>
+        </p:blipFill>
+        <p:spPr>
+          <a:xfrm>
+            <a:off x="6734466" y="176424"/>
+            <a:ext cx="4666667" cy="4342857"/>
+          </a:xfrm>
+          <a:prstGeom prst="rect">
+            <a:avLst/>
+          </a:prstGeom>
+        </p:spPr>
+      </p:pic>
+      <p:pic>
+        <p:nvPicPr>
+          <p:cNvPr id="5" name="图片 4"/>
+          <p:cNvPicPr>
+            <a:picLocks noChangeAspect="1"/>
+          </p:cNvPicPr>
+          <p:nvPr/>
+        </p:nvPicPr>
+        <p:blipFill>
+          <a:blip r:embed="rId3"/>
+          <a:stretch>
+            <a:fillRect/>
+          </a:stretch>
+        </p:blipFill>
+        <p:spPr>
+          <a:xfrm>
+            <a:off x="419100" y="176424"/>
+            <a:ext cx="4742857" cy="3380952"/>
+          </a:xfrm>
+          <a:prstGeom prst="rect">
+            <a:avLst/>
+          </a:prstGeom>
+        </p:spPr>
+      </p:pic>
+      <p:pic>
+        <p:nvPicPr>
+          <p:cNvPr id="6" name="图片 5"/>
+          <p:cNvPicPr>
+            <a:picLocks noChangeAspect="1"/>
+          </p:cNvPicPr>
+          <p:nvPr/>
+        </p:nvPicPr>
+        <p:blipFill>
+          <a:blip r:embed="rId4"/>
+          <a:stretch>
+            <a:fillRect/>
+          </a:stretch>
+        </p:blipFill>
+        <p:spPr>
+          <a:xfrm>
+            <a:off x="419100" y="4262590"/>
+            <a:ext cx="4723809" cy="2447619"/>
+          </a:xfrm>
+          <a:prstGeom prst="rect">
+            <a:avLst/>
+          </a:prstGeom>
+        </p:spPr>
+      </p:pic>
+      <p:sp>
+        <p:nvSpPr>
+          <p:cNvPr id="7" name="文本框 6"/>
+          <p:cNvSpPr txBox="1"/>
+          <p:nvPr/>
+        </p:nvSpPr>
+        <p:spPr>
+          <a:xfrm>
+            <a:off x="6299200" y="5029200"/>
+            <a:ext cx="4838700" cy="1477328"/>
+          </a:xfrm>
+          <a:prstGeom prst="rect">
+            <a:avLst/>
+          </a:prstGeom>
+          <a:noFill/>
+        </p:spPr>
+        <p:txBody>
+          <a:bodyPr wrap="square" rtlCol="0">
+            <a:spAutoFit/>
+          </a:bodyPr>
+          <a:lstStyle/>
+          <a:p>
+            <a:r>
+              <a:rPr kumimoji="1" lang="zh-CN" altLang="en-US" dirty="0" smtClean="0"/>
+              <a:t>跳过自动安装</a:t>
+            </a:r>
+            <a:endParaRPr kumimoji="1" lang="en-US" altLang="zh-CN" dirty="0" smtClean="0"/>
+          </a:p>
+          <a:p>
+            <a:r>
+              <a:rPr lang="zh-CN" altLang="en-US" dirty="0"/>
+              <a:t>内</a:t>
+            </a:r>
+            <a:r>
+              <a:rPr lang="zh-CN" altLang="en-US" dirty="0" smtClean="0"/>
+              <a:t>存和</a:t>
+            </a:r>
+            <a:r>
+              <a:rPr lang="en-US" altLang="zh-CN" dirty="0" smtClean="0"/>
+              <a:t>CPU</a:t>
+            </a:r>
+            <a:r>
+              <a:rPr lang="zh-CN" altLang="en-US" dirty="0" smtClean="0"/>
+              <a:t>尽量多分配，</a:t>
+            </a:r>
+            <a:r>
+              <a:rPr lang="en-US" altLang="zh-CN" dirty="0" smtClean="0"/>
+              <a:t>EFI</a:t>
+            </a:r>
+            <a:r>
+              <a:rPr lang="zh-CN" altLang="en-US" dirty="0" smtClean="0"/>
+              <a:t>启用</a:t>
+            </a:r>
+            <a:endParaRPr lang="en-US" altLang="zh-CN" dirty="0" smtClean="0"/>
+          </a:p>
+          <a:p>
+            <a:r>
+              <a:rPr lang="zh-CN" altLang="en-US" dirty="0"/>
+              <a:t>磁</a:t>
+            </a:r>
+            <a:r>
+              <a:rPr lang="zh-CN" altLang="en-US" dirty="0" smtClean="0"/>
+              <a:t>盘</a:t>
+            </a:r>
+            <a:r>
+              <a:rPr lang="en-US" altLang="zh-CN" dirty="0" smtClean="0"/>
+              <a:t>2TB</a:t>
+            </a:r>
+            <a:r>
+              <a:rPr lang="zh-CN" altLang="en-US" dirty="0"/>
+              <a:t>拉满</a:t>
+            </a:r>
+            <a:r>
+              <a:rPr lang="zh-CN" altLang="en-US" dirty="0" smtClean="0"/>
+              <a:t>，因为</a:t>
+            </a:r>
+            <a:r>
+              <a:rPr lang="en-US" altLang="zh-CN" dirty="0" err="1" smtClean="0"/>
+              <a:t>Yocto</a:t>
+            </a:r>
+            <a:r>
+              <a:rPr lang="zh-CN" altLang="en-US" dirty="0" smtClean="0"/>
+              <a:t>会消耗巨量磁盘空间，</a:t>
+            </a:r>
+            <a:endParaRPr lang="en-US" altLang="zh-CN" dirty="0" smtClean="0"/>
+          </a:p>
+          <a:p>
+            <a:r>
+              <a:rPr lang="zh-CN" altLang="en-US" dirty="0"/>
+              <a:t>后</a:t>
+            </a:r>
+            <a:r>
+              <a:rPr lang="zh-CN" altLang="en-US" dirty="0" smtClean="0"/>
+              <a:t>期可能使用真实</a:t>
+            </a:r>
+            <a:r>
+              <a:rPr lang="en-US" altLang="zh-CN" dirty="0" smtClean="0"/>
+              <a:t>Linux</a:t>
+            </a:r>
+            <a:r>
+              <a:rPr lang="zh-CN" altLang="en-US" dirty="0" smtClean="0"/>
+              <a:t>机器，突破磁盘空间上限</a:t>
+            </a:r>
+            <a:endParaRPr lang="en-US" altLang="zh-CN" dirty="0" smtClean="0"/>
+          </a:p>
+        </p:txBody>
+      </p:sp>
     </p:spTree>
     <p:extLst>
       <p:ext uri="{BB962C8B-B14F-4D97-AF65-F5344CB8AC3E}">
         <p14:creationId xmlns:p14="http://schemas.microsoft.com/office/powerpoint/2010/main" val="1912645556"/>
+      </p:ext>
+    </p:extLst>
+  </p:cSld>
+  <p:clrMapOvr>
+    <a:masterClrMapping/>
+  </p:clrMapOvr>
+</p:sld>
+</file>
+
+<file path=ppt/slides/slide3.xml><?xml version="1.0" encoding="utf-8"?>
+<p:sld xmlns:a="http://schemas.openxmlformats.org/drawingml/2006/main" xmlns:r="http://schemas.openxmlformats.org/officeDocument/2006/relationships" xmlns:p="http://schemas.openxmlformats.org/presentationml/2006/main">
+  <p:cSld>
+    <p:spTree>
+      <p:nvGrpSpPr>
+        <p:cNvPr id="1" name=""/>
+        <p:cNvGrpSpPr/>
+        <p:nvPr/>
+      </p:nvGrpSpPr>
+      <p:grpSpPr>
+        <a:xfrm>
+          <a:off x="0" y="0"/>
+          <a:ext cx="0" cy="0"/>
+          <a:chOff x="0" y="0"/>
+          <a:chExt cx="0" cy="0"/>
+        </a:xfrm>
+      </p:grpSpPr>
+      <p:sp>
+        <p:nvSpPr>
+          <p:cNvPr id="4" name="文本框 3"/>
+          <p:cNvSpPr txBox="1"/>
+          <p:nvPr/>
+        </p:nvSpPr>
+        <p:spPr>
+          <a:xfrm>
+            <a:off x="850900" y="355600"/>
+            <a:ext cx="8699500" cy="6186309"/>
+          </a:xfrm>
+          <a:prstGeom prst="rect">
+            <a:avLst/>
+          </a:prstGeom>
+          <a:noFill/>
+        </p:spPr>
+        <p:txBody>
+          <a:bodyPr wrap="square" rtlCol="0">
+            <a:spAutoFit/>
+          </a:bodyPr>
+          <a:lstStyle/>
+          <a:p>
+            <a:r>
+              <a:rPr kumimoji="1" lang="en-US" altLang="ja-JP" dirty="0" smtClean="0"/>
+              <a:t>Graphic install</a:t>
+            </a:r>
+          </a:p>
+          <a:p>
+            <a:r>
+              <a:rPr lang="zh-CN" altLang="en-US" dirty="0" smtClean="0"/>
+              <a:t>语言 </a:t>
+            </a:r>
+            <a:r>
+              <a:rPr lang="en-US" altLang="zh-CN" dirty="0" smtClean="0"/>
+              <a:t>English					</a:t>
+            </a:r>
+            <a:r>
+              <a:rPr lang="zh-CN" altLang="en-US" dirty="0" smtClean="0"/>
+              <a:t>自选</a:t>
+            </a:r>
+            <a:endParaRPr lang="en-US" altLang="zh-CN" dirty="0" smtClean="0"/>
+          </a:p>
+          <a:p>
+            <a:r>
+              <a:rPr kumimoji="1" lang="zh-CN" altLang="en-US" dirty="0"/>
+              <a:t>位</a:t>
+            </a:r>
+            <a:r>
+              <a:rPr kumimoji="1" lang="zh-CN" altLang="en-US" dirty="0" smtClean="0"/>
+              <a:t>置 </a:t>
+            </a:r>
+            <a:r>
+              <a:rPr kumimoji="1" lang="en-US" altLang="zh-CN" dirty="0" smtClean="0"/>
+              <a:t>other </a:t>
+            </a:r>
+            <a:r>
+              <a:rPr kumimoji="1" lang="en-US" altLang="zh-CN" dirty="0" smtClean="0">
+                <a:sym typeface="Wingdings" panose="05000000000000000000" pitchFamily="2" charset="2"/>
+              </a:rPr>
+              <a:t> Asia  China				</a:t>
+            </a:r>
+            <a:r>
+              <a:rPr kumimoji="1" lang="zh-CN" altLang="en-US" dirty="0" smtClean="0">
+                <a:sym typeface="Wingdings" panose="05000000000000000000" pitchFamily="2" charset="2"/>
+              </a:rPr>
+              <a:t>自选</a:t>
+            </a:r>
+            <a:endParaRPr kumimoji="1" lang="en-US" altLang="zh-CN" dirty="0" smtClean="0">
+              <a:sym typeface="Wingdings" panose="05000000000000000000" pitchFamily="2" charset="2"/>
+            </a:endParaRPr>
+          </a:p>
+          <a:p>
+            <a:r>
+              <a:rPr lang="zh-CN" altLang="en-US" dirty="0">
+                <a:sym typeface="Wingdings" panose="05000000000000000000" pitchFamily="2" charset="2"/>
+              </a:rPr>
+              <a:t>字</a:t>
+            </a:r>
+            <a:r>
+              <a:rPr lang="zh-CN" altLang="en-US" dirty="0" smtClean="0">
+                <a:sym typeface="Wingdings" panose="05000000000000000000" pitchFamily="2" charset="2"/>
+              </a:rPr>
+              <a:t>符集 </a:t>
+            </a:r>
+            <a:r>
+              <a:rPr lang="en-US" altLang="zh-CN" dirty="0" smtClean="0">
+                <a:sym typeface="Wingdings" panose="05000000000000000000" pitchFamily="2" charset="2"/>
+              </a:rPr>
+              <a:t>United States - en_US.UTF-8			</a:t>
+            </a:r>
+            <a:r>
+              <a:rPr lang="zh-CN" altLang="en-US" dirty="0" smtClean="0">
+                <a:sym typeface="Wingdings" panose="05000000000000000000" pitchFamily="2" charset="2"/>
+              </a:rPr>
+              <a:t>自选</a:t>
+            </a:r>
+            <a:endParaRPr lang="en-US" altLang="zh-CN" dirty="0" smtClean="0">
+              <a:sym typeface="Wingdings" panose="05000000000000000000" pitchFamily="2" charset="2"/>
+            </a:endParaRPr>
+          </a:p>
+          <a:p>
+            <a:r>
+              <a:rPr lang="zh-CN" altLang="en-US" dirty="0">
+                <a:sym typeface="Wingdings" panose="05000000000000000000" pitchFamily="2" charset="2"/>
+              </a:rPr>
+              <a:t>键</a:t>
+            </a:r>
+            <a:r>
+              <a:rPr lang="zh-CN" altLang="en-US" dirty="0" smtClean="0">
+                <a:sym typeface="Wingdings" panose="05000000000000000000" pitchFamily="2" charset="2"/>
+              </a:rPr>
+              <a:t>盘  </a:t>
+            </a:r>
+            <a:r>
+              <a:rPr lang="en-US" altLang="zh-CN" dirty="0" smtClean="0">
+                <a:sym typeface="Wingdings" panose="05000000000000000000" pitchFamily="2" charset="2"/>
+              </a:rPr>
+              <a:t>American English				</a:t>
+            </a:r>
+            <a:r>
+              <a:rPr lang="zh-CN" altLang="en-US" dirty="0" smtClean="0">
+                <a:sym typeface="Wingdings" panose="05000000000000000000" pitchFamily="2" charset="2"/>
+              </a:rPr>
+              <a:t>自选</a:t>
+            </a:r>
+            <a:endParaRPr lang="en-US" altLang="zh-CN" dirty="0" smtClean="0">
+              <a:sym typeface="Wingdings" panose="05000000000000000000" pitchFamily="2" charset="2"/>
+            </a:endParaRPr>
+          </a:p>
+          <a:p>
+            <a:r>
+              <a:rPr lang="zh-CN" altLang="en-US" dirty="0">
+                <a:sym typeface="Wingdings" panose="05000000000000000000" pitchFamily="2" charset="2"/>
+              </a:rPr>
+              <a:t>配</a:t>
+            </a:r>
+            <a:r>
+              <a:rPr lang="zh-CN" altLang="en-US" dirty="0" smtClean="0">
+                <a:sym typeface="Wingdings" panose="05000000000000000000" pitchFamily="2" charset="2"/>
+              </a:rPr>
+              <a:t>置</a:t>
+            </a:r>
+            <a:r>
+              <a:rPr lang="en-US" altLang="zh-CN" dirty="0" smtClean="0">
+                <a:sym typeface="Wingdings" panose="05000000000000000000" pitchFamily="2" charset="2"/>
+              </a:rPr>
+              <a:t>network</a:t>
+            </a:r>
+          </a:p>
+          <a:p>
+            <a:r>
+              <a:rPr lang="en-US" altLang="zh-CN" dirty="0">
+                <a:sym typeface="Wingdings" panose="05000000000000000000" pitchFamily="2" charset="2"/>
+              </a:rPr>
+              <a:t>	</a:t>
+            </a:r>
+            <a:r>
+              <a:rPr lang="en-US" altLang="zh-CN" dirty="0" smtClean="0">
+                <a:sym typeface="Wingdings" panose="05000000000000000000" pitchFamily="2" charset="2"/>
+              </a:rPr>
+              <a:t>Hostname </a:t>
+            </a:r>
+            <a:r>
+              <a:rPr lang="en-US" altLang="zh-CN" dirty="0" err="1" smtClean="0">
+                <a:sym typeface="Wingdings" panose="05000000000000000000" pitchFamily="2" charset="2"/>
+              </a:rPr>
+              <a:t>vbox</a:t>
+            </a:r>
+            <a:r>
+              <a:rPr lang="en-US" altLang="zh-CN" dirty="0" smtClean="0">
+                <a:sym typeface="Wingdings" panose="05000000000000000000" pitchFamily="2" charset="2"/>
+              </a:rPr>
+              <a:t>				</a:t>
+            </a:r>
+            <a:r>
+              <a:rPr lang="zh-CN" altLang="en-US" dirty="0" smtClean="0">
+                <a:sym typeface="Wingdings" panose="05000000000000000000" pitchFamily="2" charset="2"/>
+              </a:rPr>
+              <a:t>默认</a:t>
+            </a:r>
+            <a:endParaRPr lang="en-US" altLang="zh-CN" dirty="0" smtClean="0">
+              <a:sym typeface="Wingdings" panose="05000000000000000000" pitchFamily="2" charset="2"/>
+            </a:endParaRPr>
+          </a:p>
+          <a:p>
+            <a:r>
+              <a:rPr lang="en-US" altLang="zh-CN" dirty="0" smtClean="0">
+                <a:sym typeface="Wingdings" panose="05000000000000000000" pitchFamily="2" charset="2"/>
+              </a:rPr>
+              <a:t>	Domain name </a:t>
+            </a:r>
+            <a:r>
+              <a:rPr lang="zh-CN" altLang="en-US" dirty="0" smtClean="0">
+                <a:sym typeface="Wingdings" panose="05000000000000000000" pitchFamily="2" charset="2"/>
+              </a:rPr>
+              <a:t>空着</a:t>
+            </a:r>
+            <a:r>
+              <a:rPr lang="en-US" altLang="zh-CN" dirty="0" smtClean="0">
+                <a:sym typeface="Wingdings" panose="05000000000000000000" pitchFamily="2" charset="2"/>
+              </a:rPr>
+              <a:t>				</a:t>
+            </a:r>
+            <a:r>
+              <a:rPr lang="zh-CN" altLang="en-US" dirty="0" smtClean="0">
+                <a:sym typeface="Wingdings" panose="05000000000000000000" pitchFamily="2" charset="2"/>
+              </a:rPr>
+              <a:t>默认</a:t>
+            </a:r>
+            <a:endParaRPr lang="en-US" altLang="zh-CN" dirty="0" smtClean="0">
+              <a:sym typeface="Wingdings" panose="05000000000000000000" pitchFamily="2" charset="2"/>
+            </a:endParaRPr>
+          </a:p>
+          <a:p>
+            <a:endParaRPr lang="en-US" altLang="zh-CN" dirty="0" smtClean="0">
+              <a:sym typeface="Wingdings" panose="05000000000000000000" pitchFamily="2" charset="2"/>
+            </a:endParaRPr>
+          </a:p>
+          <a:p>
+            <a:r>
+              <a:rPr lang="zh-CN" altLang="en-US" dirty="0">
+                <a:sym typeface="Wingdings" panose="05000000000000000000" pitchFamily="2" charset="2"/>
+              </a:rPr>
+              <a:t>密</a:t>
+            </a:r>
+            <a:r>
+              <a:rPr lang="zh-CN" altLang="en-US" dirty="0" smtClean="0">
+                <a:sym typeface="Wingdings" panose="05000000000000000000" pitchFamily="2" charset="2"/>
+              </a:rPr>
+              <a:t>码 </a:t>
+            </a:r>
+            <a:r>
+              <a:rPr lang="en-US" altLang="zh-CN" dirty="0" smtClean="0">
+                <a:sym typeface="Wingdings" panose="05000000000000000000" pitchFamily="2" charset="2"/>
+              </a:rPr>
+              <a:t>/ </a:t>
+            </a:r>
+            <a:r>
+              <a:rPr lang="zh-CN" altLang="en-US" dirty="0" smtClean="0">
+                <a:sym typeface="Wingdings" panose="05000000000000000000" pitchFamily="2" charset="2"/>
+              </a:rPr>
+              <a:t>用户名</a:t>
+            </a:r>
+            <a:r>
+              <a:rPr lang="en-US" altLang="zh-CN" dirty="0" smtClean="0">
+                <a:sym typeface="Wingdings" panose="05000000000000000000" pitchFamily="2" charset="2"/>
+              </a:rPr>
+              <a:t>					</a:t>
+            </a:r>
+            <a:r>
+              <a:rPr lang="zh-CN" altLang="en-US" dirty="0" smtClean="0">
+                <a:sym typeface="Wingdings" panose="05000000000000000000" pitchFamily="2" charset="2"/>
+              </a:rPr>
+              <a:t>自选</a:t>
+            </a:r>
+            <a:endParaRPr lang="en-US" altLang="zh-CN" dirty="0" smtClean="0">
+              <a:sym typeface="Wingdings" panose="05000000000000000000" pitchFamily="2" charset="2"/>
+            </a:endParaRPr>
+          </a:p>
+          <a:p>
+            <a:endParaRPr lang="en-US" altLang="zh-CN" dirty="0">
+              <a:sym typeface="Wingdings" panose="05000000000000000000" pitchFamily="2" charset="2"/>
+            </a:endParaRPr>
+          </a:p>
+          <a:p>
+            <a:r>
+              <a:rPr lang="zh-CN" altLang="en-US" dirty="0">
+                <a:sym typeface="Wingdings" panose="05000000000000000000" pitchFamily="2" charset="2"/>
+              </a:rPr>
+              <a:t>磁</a:t>
+            </a:r>
+            <a:r>
+              <a:rPr lang="zh-CN" altLang="en-US" dirty="0" smtClean="0">
+                <a:sym typeface="Wingdings" panose="05000000000000000000" pitchFamily="2" charset="2"/>
+              </a:rPr>
+              <a:t>盘</a:t>
+            </a:r>
+            <a:endParaRPr lang="en-US" altLang="zh-CN" dirty="0" smtClean="0">
+              <a:sym typeface="Wingdings" panose="05000000000000000000" pitchFamily="2" charset="2"/>
+            </a:endParaRPr>
+          </a:p>
+          <a:p>
+            <a:r>
+              <a:rPr lang="en-US" altLang="zh-CN" dirty="0">
+                <a:sym typeface="Wingdings" panose="05000000000000000000" pitchFamily="2" charset="2"/>
+              </a:rPr>
+              <a:t>	</a:t>
+            </a:r>
+            <a:r>
+              <a:rPr lang="en-US" altLang="zh-CN" dirty="0" smtClean="0">
+                <a:sym typeface="Wingdings" panose="05000000000000000000" pitchFamily="2" charset="2"/>
+              </a:rPr>
+              <a:t>use entire disk</a:t>
+            </a:r>
+          </a:p>
+          <a:p>
+            <a:r>
+              <a:rPr lang="en-US" altLang="zh-CN" dirty="0">
+                <a:sym typeface="Wingdings" panose="05000000000000000000" pitchFamily="2" charset="2"/>
+              </a:rPr>
+              <a:t>	</a:t>
+            </a:r>
+            <a:r>
+              <a:rPr lang="en-US" altLang="zh-CN" dirty="0" smtClean="0">
+                <a:sym typeface="Wingdings" panose="05000000000000000000" pitchFamily="2" charset="2"/>
+              </a:rPr>
+              <a:t>All files in one partition</a:t>
+            </a:r>
+          </a:p>
+          <a:p>
+            <a:endParaRPr lang="en-US" altLang="zh-CN" dirty="0">
+              <a:sym typeface="Wingdings" panose="05000000000000000000" pitchFamily="2" charset="2"/>
+            </a:endParaRPr>
+          </a:p>
+          <a:p>
+            <a:endParaRPr lang="en-US" altLang="zh-CN" dirty="0" smtClean="0">
+              <a:sym typeface="Wingdings" panose="05000000000000000000" pitchFamily="2" charset="2"/>
+            </a:endParaRPr>
+          </a:p>
+          <a:p>
+            <a:r>
+              <a:rPr lang="en-US" altLang="zh-CN" dirty="0" smtClean="0">
+                <a:sym typeface="Wingdings" panose="05000000000000000000" pitchFamily="2" charset="2"/>
+              </a:rPr>
+              <a:t>package manager</a:t>
+            </a:r>
+          </a:p>
+          <a:p>
+            <a:r>
+              <a:rPr lang="en-US" altLang="zh-CN" dirty="0">
+                <a:sym typeface="Wingdings" panose="05000000000000000000" pitchFamily="2" charset="2"/>
+              </a:rPr>
+              <a:t>	</a:t>
+            </a:r>
+            <a:r>
+              <a:rPr lang="en-US" altLang="zh-CN" dirty="0" smtClean="0">
+                <a:sym typeface="Wingdings" panose="05000000000000000000" pitchFamily="2" charset="2"/>
+              </a:rPr>
+              <a:t>Scan extra installation media? 		No</a:t>
+            </a:r>
+          </a:p>
+          <a:p>
+            <a:r>
+              <a:rPr lang="en-US" altLang="zh-CN" dirty="0">
+                <a:sym typeface="Wingdings" panose="05000000000000000000" pitchFamily="2" charset="2"/>
+              </a:rPr>
+              <a:t>	</a:t>
+            </a:r>
+            <a:r>
+              <a:rPr lang="en-US" altLang="zh-CN" dirty="0" smtClean="0">
+                <a:sym typeface="Wingdings" panose="05000000000000000000" pitchFamily="2" charset="2"/>
+              </a:rPr>
+              <a:t>Use a network mirror?			No</a:t>
+            </a:r>
+          </a:p>
+          <a:p>
+            <a:r>
+              <a:rPr lang="en-US" altLang="zh-CN" dirty="0">
+                <a:sym typeface="Wingdings" panose="05000000000000000000" pitchFamily="2" charset="2"/>
+              </a:rPr>
+              <a:t>	</a:t>
+            </a:r>
+            <a:r>
+              <a:rPr lang="en-US" altLang="zh-CN" dirty="0" smtClean="0">
+                <a:sym typeface="Wingdings" panose="05000000000000000000" pitchFamily="2" charset="2"/>
+              </a:rPr>
+              <a:t>Participate in the package usage survey?	No</a:t>
+            </a:r>
+          </a:p>
+          <a:p>
+            <a:endParaRPr lang="en-US" altLang="zh-CN" dirty="0">
+              <a:sym typeface="Wingdings" panose="05000000000000000000" pitchFamily="2" charset="2"/>
+            </a:endParaRPr>
+          </a:p>
+          <a:p>
+            <a:r>
+              <a:rPr lang="en-US" altLang="zh-CN" dirty="0" smtClean="0">
+                <a:sym typeface="Wingdings" panose="05000000000000000000" pitchFamily="2" charset="2"/>
+              </a:rPr>
+              <a:t>Choose software to install				</a:t>
+            </a:r>
+            <a:r>
+              <a:rPr lang="zh-CN" altLang="en-US" dirty="0" smtClean="0">
+                <a:sym typeface="Wingdings" panose="05000000000000000000" pitchFamily="2" charset="2"/>
+              </a:rPr>
+              <a:t>默认</a:t>
+            </a:r>
+            <a:endParaRPr lang="en-US" altLang="zh-CN" dirty="0" smtClean="0">
+              <a:sym typeface="Wingdings" panose="05000000000000000000" pitchFamily="2" charset="2"/>
+            </a:endParaRPr>
+          </a:p>
+        </p:txBody>
+      </p:sp>
+    </p:spTree>
+    <p:extLst>
+      <p:ext uri="{BB962C8B-B14F-4D97-AF65-F5344CB8AC3E}">
+        <p14:creationId xmlns:p14="http://schemas.microsoft.com/office/powerpoint/2010/main" val="373150141"/>
+      </p:ext>
+    </p:extLst>
+  </p:cSld>
+  <p:clrMapOvr>
+    <a:masterClrMapping/>
+  </p:clrMapOvr>
+</p:sld>
+</file>
+
+<file path=ppt/slides/slide4.xml><?xml version="1.0" encoding="utf-8"?>
+<p:sld xmlns:a="http://schemas.openxmlformats.org/drawingml/2006/main" xmlns:r="http://schemas.openxmlformats.org/officeDocument/2006/relationships" xmlns:p="http://schemas.openxmlformats.org/presentationml/2006/main">
+  <p:cSld>
+    <p:spTree>
+      <p:nvGrpSpPr>
+        <p:cNvPr id="1" name=""/>
+        <p:cNvGrpSpPr/>
+        <p:nvPr/>
+      </p:nvGrpSpPr>
+      <p:grpSpPr>
+        <a:xfrm>
+          <a:off x="0" y="0"/>
+          <a:ext cx="0" cy="0"/>
+          <a:chOff x="0" y="0"/>
+          <a:chExt cx="0" cy="0"/>
+        </a:xfrm>
+      </p:grpSpPr>
+      <p:sp>
+        <p:nvSpPr>
+          <p:cNvPr id="4" name="文本框 3"/>
+          <p:cNvSpPr txBox="1"/>
+          <p:nvPr/>
+        </p:nvSpPr>
+        <p:spPr>
+          <a:xfrm>
+            <a:off x="850900" y="355600"/>
+            <a:ext cx="8699500" cy="1200329"/>
+          </a:xfrm>
+          <a:prstGeom prst="rect">
+            <a:avLst/>
+          </a:prstGeom>
+          <a:noFill/>
+        </p:spPr>
+        <p:txBody>
+          <a:bodyPr wrap="square" rtlCol="0">
+            <a:spAutoFit/>
+          </a:bodyPr>
+          <a:lstStyle/>
+          <a:p>
+            <a:r>
+              <a:rPr lang="zh-CN" altLang="en-US" dirty="0" smtClean="0">
+                <a:sym typeface="Wingdings" panose="05000000000000000000" pitchFamily="2" charset="2"/>
+              </a:rPr>
+              <a:t>将当前用户加入</a:t>
+            </a:r>
+            <a:r>
+              <a:rPr lang="en-US" altLang="zh-CN" dirty="0" err="1" smtClean="0">
+                <a:sym typeface="Wingdings" panose="05000000000000000000" pitchFamily="2" charset="2"/>
+              </a:rPr>
+              <a:t>sudo</a:t>
+            </a:r>
+            <a:r>
+              <a:rPr lang="zh-CN" altLang="en-US" dirty="0" smtClean="0">
+                <a:sym typeface="Wingdings" panose="05000000000000000000" pitchFamily="2" charset="2"/>
+              </a:rPr>
+              <a:t>组</a:t>
+            </a:r>
+            <a:endParaRPr lang="en-US" altLang="zh-CN" dirty="0" smtClean="0">
+              <a:sym typeface="Wingdings" panose="05000000000000000000" pitchFamily="2" charset="2"/>
+            </a:endParaRPr>
+          </a:p>
+          <a:p>
+            <a:endParaRPr lang="en-US" altLang="zh-CN" dirty="0">
+              <a:sym typeface="Wingdings" panose="05000000000000000000" pitchFamily="2" charset="2"/>
+            </a:endParaRPr>
+          </a:p>
+          <a:p>
+            <a:r>
+              <a:rPr lang="en-US" altLang="zh-CN" dirty="0" smtClean="0">
+                <a:sym typeface="Wingdings" panose="05000000000000000000" pitchFamily="2" charset="2"/>
+              </a:rPr>
+              <a:t>groups </a:t>
+            </a:r>
+            <a:r>
+              <a:rPr lang="zh-CN" altLang="en-US" dirty="0" smtClean="0">
+                <a:sym typeface="Wingdings" panose="05000000000000000000" pitchFamily="2" charset="2"/>
+              </a:rPr>
+              <a:t>用户名</a:t>
+            </a:r>
+            <a:r>
+              <a:rPr lang="en-US" altLang="zh-CN" dirty="0" smtClean="0">
+                <a:sym typeface="Wingdings" panose="05000000000000000000" pitchFamily="2" charset="2"/>
+              </a:rPr>
+              <a:t>		</a:t>
+            </a:r>
+            <a:r>
+              <a:rPr lang="zh-CN" altLang="en-US" dirty="0" smtClean="0">
+                <a:sym typeface="Wingdings" panose="05000000000000000000" pitchFamily="2" charset="2"/>
+              </a:rPr>
+              <a:t>确认当前是否在</a:t>
+            </a:r>
+            <a:r>
+              <a:rPr lang="en-US" altLang="zh-CN" dirty="0" err="1" smtClean="0">
+                <a:sym typeface="Wingdings" panose="05000000000000000000" pitchFamily="2" charset="2"/>
+              </a:rPr>
+              <a:t>sudo</a:t>
+            </a:r>
+            <a:r>
+              <a:rPr lang="zh-CN" altLang="en-US" dirty="0" smtClean="0">
+                <a:sym typeface="Wingdings" panose="05000000000000000000" pitchFamily="2" charset="2"/>
+              </a:rPr>
+              <a:t>组</a:t>
+            </a:r>
+            <a:endParaRPr lang="en-US" altLang="zh-CN" dirty="0" smtClean="0">
+              <a:sym typeface="Wingdings" panose="05000000000000000000" pitchFamily="2" charset="2"/>
+            </a:endParaRPr>
+          </a:p>
+          <a:p>
+            <a:endParaRPr lang="en-US" altLang="zh-CN" dirty="0" smtClean="0">
+              <a:sym typeface="Wingdings" panose="05000000000000000000" pitchFamily="2" charset="2"/>
+            </a:endParaRPr>
+          </a:p>
+        </p:txBody>
+      </p:sp>
+    </p:spTree>
+    <p:extLst>
+      <p:ext uri="{BB962C8B-B14F-4D97-AF65-F5344CB8AC3E}">
+        <p14:creationId xmlns:p14="http://schemas.microsoft.com/office/powerpoint/2010/main" val="1890202908"/>
+      </p:ext>
+    </p:extLst>
+  </p:cSld>
+  <p:clrMapOvr>
+    <a:masterClrMapping/>
+  </p:clrMapOvr>
+</p:sld>
+</file>
+
+<file path=ppt/slides/slide5.xml><?xml version="1.0" encoding="utf-8"?>
+<p:sld xmlns:a="http://schemas.openxmlformats.org/drawingml/2006/main" xmlns:r="http://schemas.openxmlformats.org/officeDocument/2006/relationships" xmlns:p="http://schemas.openxmlformats.org/presentationml/2006/main">
+  <p:cSld>
+    <p:spTree>
+      <p:nvGrpSpPr>
+        <p:cNvPr id="1" name=""/>
+        <p:cNvGrpSpPr/>
+        <p:nvPr/>
+      </p:nvGrpSpPr>
+      <p:grpSpPr>
+        <a:xfrm>
+          <a:off x="0" y="0"/>
+          <a:ext cx="0" cy="0"/>
+          <a:chOff x="0" y="0"/>
+          <a:chExt cx="0" cy="0"/>
+        </a:xfrm>
+      </p:grpSpPr>
+      <p:sp>
+        <p:nvSpPr>
+          <p:cNvPr id="5" name="文本框 4"/>
+          <p:cNvSpPr txBox="1"/>
+          <p:nvPr/>
+        </p:nvSpPr>
+        <p:spPr>
+          <a:xfrm>
+            <a:off x="850900" y="355600"/>
+            <a:ext cx="10515600" cy="5355312"/>
+          </a:xfrm>
+          <a:prstGeom prst="rect">
+            <a:avLst/>
+          </a:prstGeom>
+          <a:noFill/>
+        </p:spPr>
+        <p:txBody>
+          <a:bodyPr wrap="square" rtlCol="0">
+            <a:spAutoFit/>
+          </a:bodyPr>
+          <a:lstStyle/>
+          <a:p>
+            <a:r>
+              <a:rPr lang="zh-CN" altLang="en-US" dirty="0" smtClean="0">
+                <a:sym typeface="Wingdings" panose="05000000000000000000" pitchFamily="2" charset="2"/>
+              </a:rPr>
+              <a:t>配置代理，能上网</a:t>
+            </a:r>
+            <a:endParaRPr lang="en-US" altLang="zh-CN" dirty="0" smtClean="0">
+              <a:sym typeface="Wingdings" panose="05000000000000000000" pitchFamily="2" charset="2"/>
+            </a:endParaRPr>
+          </a:p>
+          <a:p>
+            <a:endParaRPr lang="en-US" altLang="zh-CN" dirty="0" smtClean="0">
+              <a:sym typeface="Wingdings" panose="05000000000000000000" pitchFamily="2" charset="2"/>
+            </a:endParaRPr>
+          </a:p>
+          <a:p>
+            <a:endParaRPr lang="en-US" altLang="zh-CN" dirty="0" smtClean="0">
+              <a:sym typeface="Wingdings" panose="05000000000000000000" pitchFamily="2" charset="2"/>
+            </a:endParaRPr>
+          </a:p>
+          <a:p>
+            <a:endParaRPr lang="en-US" altLang="zh-CN" dirty="0">
+              <a:sym typeface="Wingdings" panose="05000000000000000000" pitchFamily="2" charset="2"/>
+            </a:endParaRPr>
+          </a:p>
+          <a:p>
+            <a:endParaRPr lang="en-US" altLang="zh-CN" dirty="0" smtClean="0">
+              <a:sym typeface="Wingdings" panose="05000000000000000000" pitchFamily="2" charset="2"/>
+            </a:endParaRPr>
+          </a:p>
+          <a:p>
+            <a:endParaRPr lang="en-US" altLang="zh-CN" dirty="0" smtClean="0">
+              <a:sym typeface="Wingdings" panose="05000000000000000000" pitchFamily="2" charset="2"/>
+            </a:endParaRPr>
+          </a:p>
+          <a:p>
+            <a:r>
+              <a:rPr lang="en-US" altLang="zh-CN" dirty="0" smtClean="0">
+                <a:sym typeface="Wingdings" panose="05000000000000000000" pitchFamily="2" charset="2"/>
+              </a:rPr>
+              <a:t>Software &amp; Update</a:t>
+            </a:r>
+            <a:r>
+              <a:rPr lang="zh-CN" altLang="en-US" dirty="0" smtClean="0">
+                <a:sym typeface="Wingdings" panose="05000000000000000000" pitchFamily="2" charset="2"/>
+              </a:rPr>
+              <a:t>中，配置更新源</a:t>
+            </a:r>
+            <a:endParaRPr lang="en-US" altLang="zh-CN" dirty="0" smtClean="0">
+              <a:sym typeface="Wingdings" panose="05000000000000000000" pitchFamily="2" charset="2"/>
+            </a:endParaRPr>
+          </a:p>
+          <a:p>
+            <a:r>
+              <a:rPr lang="en-US" altLang="zh-CN" dirty="0" err="1" smtClean="0">
+                <a:sym typeface="Wingdings" panose="05000000000000000000" pitchFamily="2" charset="2"/>
+              </a:rPr>
+              <a:t>Debian</a:t>
+            </a:r>
+            <a:r>
+              <a:rPr lang="en-US" altLang="zh-CN" dirty="0" smtClean="0">
+                <a:sym typeface="Wingdings" panose="05000000000000000000" pitchFamily="2" charset="2"/>
+              </a:rPr>
+              <a:t> Software</a:t>
+            </a:r>
+          </a:p>
+          <a:p>
+            <a:r>
+              <a:rPr lang="en-US" altLang="zh-CN" dirty="0">
+                <a:sym typeface="Wingdings" panose="05000000000000000000" pitchFamily="2" charset="2"/>
+              </a:rPr>
+              <a:t>	</a:t>
+            </a:r>
+            <a:r>
+              <a:rPr lang="en-US" altLang="zh-CN" dirty="0" smtClean="0">
+                <a:sym typeface="Wingdings" panose="05000000000000000000" pitchFamily="2" charset="2"/>
+              </a:rPr>
+              <a:t>main			</a:t>
+            </a:r>
+            <a:r>
+              <a:rPr lang="zh-CN" altLang="en-US" dirty="0" smtClean="0">
+                <a:sym typeface="Wingdings" panose="05000000000000000000" pitchFamily="2" charset="2"/>
+              </a:rPr>
+              <a:t>选中</a:t>
+            </a:r>
+            <a:endParaRPr lang="en-US" altLang="zh-CN" dirty="0" smtClean="0">
+              <a:sym typeface="Wingdings" panose="05000000000000000000" pitchFamily="2" charset="2"/>
+            </a:endParaRPr>
+          </a:p>
+          <a:p>
+            <a:r>
+              <a:rPr lang="en-US" altLang="zh-CN" dirty="0">
+                <a:sym typeface="Wingdings" panose="05000000000000000000" pitchFamily="2" charset="2"/>
+              </a:rPr>
+              <a:t>	</a:t>
+            </a:r>
+            <a:r>
+              <a:rPr lang="en-US" altLang="zh-CN" dirty="0" err="1" smtClean="0">
+                <a:sym typeface="Wingdings" panose="05000000000000000000" pitchFamily="2" charset="2"/>
+              </a:rPr>
+              <a:t>contrib</a:t>
+            </a:r>
+            <a:r>
+              <a:rPr lang="en-US" altLang="zh-CN" dirty="0" smtClean="0">
+                <a:sym typeface="Wingdings" panose="05000000000000000000" pitchFamily="2" charset="2"/>
+              </a:rPr>
+              <a:t>			</a:t>
+            </a:r>
+            <a:r>
+              <a:rPr lang="zh-CN" altLang="en-US" dirty="0" smtClean="0">
+                <a:sym typeface="Wingdings" panose="05000000000000000000" pitchFamily="2" charset="2"/>
+              </a:rPr>
+              <a:t>自定</a:t>
+            </a:r>
+            <a:endParaRPr lang="en-US" altLang="zh-CN" dirty="0" smtClean="0">
+              <a:sym typeface="Wingdings" panose="05000000000000000000" pitchFamily="2" charset="2"/>
+            </a:endParaRPr>
+          </a:p>
+          <a:p>
+            <a:r>
+              <a:rPr lang="en-US" altLang="zh-CN" dirty="0">
+                <a:sym typeface="Wingdings" panose="05000000000000000000" pitchFamily="2" charset="2"/>
+              </a:rPr>
+              <a:t>	</a:t>
+            </a:r>
+            <a:r>
+              <a:rPr lang="en-US" altLang="zh-CN" dirty="0" smtClean="0">
+                <a:sym typeface="Wingdings" panose="05000000000000000000" pitchFamily="2" charset="2"/>
+              </a:rPr>
+              <a:t>non-free-firmware		</a:t>
+            </a:r>
+            <a:r>
+              <a:rPr lang="zh-CN" altLang="en-US" dirty="0" smtClean="0">
+                <a:sym typeface="Wingdings" panose="05000000000000000000" pitchFamily="2" charset="2"/>
+              </a:rPr>
+              <a:t>自定</a:t>
+            </a:r>
+            <a:endParaRPr lang="en-US" altLang="zh-CN" dirty="0" smtClean="0">
+              <a:sym typeface="Wingdings" panose="05000000000000000000" pitchFamily="2" charset="2"/>
+            </a:endParaRPr>
+          </a:p>
+          <a:p>
+            <a:r>
+              <a:rPr lang="en-US" altLang="zh-CN" dirty="0">
+                <a:sym typeface="Wingdings" panose="05000000000000000000" pitchFamily="2" charset="2"/>
+              </a:rPr>
+              <a:t>	</a:t>
+            </a:r>
+            <a:r>
+              <a:rPr lang="en-US" altLang="zh-CN" dirty="0" smtClean="0">
+                <a:sym typeface="Wingdings" panose="05000000000000000000" pitchFamily="2" charset="2"/>
+              </a:rPr>
+              <a:t>non-free			</a:t>
+            </a:r>
+            <a:r>
+              <a:rPr lang="zh-CN" altLang="en-US" dirty="0" smtClean="0">
+                <a:sym typeface="Wingdings" panose="05000000000000000000" pitchFamily="2" charset="2"/>
+              </a:rPr>
+              <a:t>自定</a:t>
+            </a:r>
+            <a:endParaRPr lang="en-US" altLang="zh-CN" dirty="0">
+              <a:sym typeface="Wingdings" panose="05000000000000000000" pitchFamily="2" charset="2"/>
+            </a:endParaRPr>
+          </a:p>
+          <a:p>
+            <a:r>
+              <a:rPr lang="en-US" altLang="zh-CN" dirty="0" smtClean="0">
+                <a:sym typeface="Wingdings" panose="05000000000000000000" pitchFamily="2" charset="2"/>
+              </a:rPr>
+              <a:t>	source code		</a:t>
+            </a:r>
+            <a:r>
+              <a:rPr lang="zh-CN" altLang="en-US" dirty="0" smtClean="0">
+                <a:sym typeface="Wingdings" panose="05000000000000000000" pitchFamily="2" charset="2"/>
+              </a:rPr>
+              <a:t>自定</a:t>
+            </a:r>
+            <a:endParaRPr lang="en-US" altLang="zh-CN" dirty="0" smtClean="0">
+              <a:sym typeface="Wingdings" panose="05000000000000000000" pitchFamily="2" charset="2"/>
+            </a:endParaRPr>
+          </a:p>
+          <a:p>
+            <a:r>
+              <a:rPr lang="en-US" altLang="zh-CN" dirty="0">
+                <a:sym typeface="Wingdings" panose="05000000000000000000" pitchFamily="2" charset="2"/>
+              </a:rPr>
+              <a:t>	</a:t>
+            </a:r>
+            <a:r>
+              <a:rPr lang="en-US" altLang="zh-CN" dirty="0" smtClean="0">
+                <a:sym typeface="Wingdings" panose="05000000000000000000" pitchFamily="2" charset="2"/>
+              </a:rPr>
+              <a:t>Main server</a:t>
+            </a:r>
+            <a:endParaRPr lang="en-US" altLang="zh-CN" dirty="0">
+              <a:sym typeface="Wingdings" panose="05000000000000000000" pitchFamily="2" charset="2"/>
+            </a:endParaRPr>
+          </a:p>
+          <a:p>
+            <a:r>
+              <a:rPr lang="en-US" altLang="zh-CN" dirty="0" smtClean="0">
+                <a:sym typeface="Wingdings" panose="05000000000000000000" pitchFamily="2" charset="2"/>
+              </a:rPr>
+              <a:t>Other Software</a:t>
+            </a:r>
+          </a:p>
+          <a:p>
+            <a:r>
+              <a:rPr lang="en-US" altLang="zh-CN" dirty="0">
+                <a:sym typeface="Wingdings" panose="05000000000000000000" pitchFamily="2" charset="2"/>
+              </a:rPr>
+              <a:t>	</a:t>
+            </a:r>
+            <a:r>
+              <a:rPr lang="en-US" altLang="zh-CN" dirty="0" err="1" smtClean="0">
+                <a:sym typeface="Wingdings" panose="05000000000000000000" pitchFamily="2" charset="2"/>
+              </a:rPr>
+              <a:t>cdrom</a:t>
+            </a:r>
+            <a:r>
+              <a:rPr lang="en-US" altLang="zh-CN" dirty="0" smtClean="0">
+                <a:sym typeface="Wingdings" panose="05000000000000000000" pitchFamily="2" charset="2"/>
+              </a:rPr>
+              <a:t>			</a:t>
+            </a:r>
+            <a:r>
+              <a:rPr lang="zh-CN" altLang="en-US" dirty="0" smtClean="0">
+                <a:sym typeface="Wingdings" panose="05000000000000000000" pitchFamily="2" charset="2"/>
+              </a:rPr>
+              <a:t>取消</a:t>
+            </a:r>
+            <a:endParaRPr lang="en-US" altLang="zh-CN" dirty="0" smtClean="0">
+              <a:sym typeface="Wingdings" panose="05000000000000000000" pitchFamily="2" charset="2"/>
+            </a:endParaRPr>
+          </a:p>
+          <a:p>
+            <a:endParaRPr lang="en-US" altLang="zh-CN" dirty="0" smtClean="0">
+              <a:sym typeface="Wingdings" panose="05000000000000000000" pitchFamily="2" charset="2"/>
+            </a:endParaRPr>
+          </a:p>
+          <a:p>
+            <a:r>
+              <a:rPr lang="en-US" altLang="ja-JP" dirty="0" smtClean="0">
+                <a:sym typeface="Wingdings" panose="05000000000000000000" pitchFamily="2" charset="2"/>
+              </a:rPr>
+              <a:t>※</a:t>
+            </a:r>
+            <a:r>
+              <a:rPr lang="zh-CN" altLang="en-US" dirty="0">
+                <a:sym typeface="Wingdings" panose="05000000000000000000" pitchFamily="2" charset="2"/>
+              </a:rPr>
+              <a:t>使</a:t>
+            </a:r>
+            <a:r>
+              <a:rPr lang="zh-CN" altLang="en-US" dirty="0" smtClean="0">
+                <a:sym typeface="Wingdings" panose="05000000000000000000" pitchFamily="2" charset="2"/>
+              </a:rPr>
+              <a:t>用</a:t>
+            </a:r>
+            <a:r>
+              <a:rPr lang="en-US" altLang="zh-CN" dirty="0" smtClean="0">
+                <a:sym typeface="Wingdings" panose="05000000000000000000" pitchFamily="2" charset="2"/>
+              </a:rPr>
+              <a:t>DVD</a:t>
+            </a:r>
+            <a:r>
+              <a:rPr lang="zh-CN" altLang="en-US" dirty="0">
+                <a:sym typeface="Wingdings" panose="05000000000000000000" pitchFamily="2" charset="2"/>
+              </a:rPr>
+              <a:t>安</a:t>
+            </a:r>
+            <a:r>
+              <a:rPr lang="zh-CN" altLang="en-US" dirty="0" smtClean="0">
+                <a:sym typeface="Wingdings" panose="05000000000000000000" pitchFamily="2" charset="2"/>
+              </a:rPr>
+              <a:t>装系统时，</a:t>
+            </a:r>
+            <a:r>
+              <a:rPr lang="en-US" altLang="zh-CN" dirty="0" smtClean="0">
+                <a:sym typeface="Wingdings" panose="05000000000000000000" pitchFamily="2" charset="2"/>
+              </a:rPr>
+              <a:t>/</a:t>
+            </a:r>
+            <a:r>
+              <a:rPr lang="en-US" altLang="zh-CN" dirty="0" err="1" smtClean="0">
+                <a:sym typeface="Wingdings" panose="05000000000000000000" pitchFamily="2" charset="2"/>
+              </a:rPr>
+              <a:t>etc</a:t>
+            </a:r>
+            <a:r>
+              <a:rPr lang="en-US" altLang="zh-CN" dirty="0" smtClean="0">
+                <a:sym typeface="Wingdings" panose="05000000000000000000" pitchFamily="2" charset="2"/>
+              </a:rPr>
+              <a:t>/apt/</a:t>
+            </a:r>
+            <a:r>
+              <a:rPr lang="en-US" altLang="zh-CN" dirty="0" err="1" smtClean="0">
+                <a:sym typeface="Wingdings" panose="05000000000000000000" pitchFamily="2" charset="2"/>
+              </a:rPr>
+              <a:t>sources.list</a:t>
+            </a:r>
+            <a:r>
+              <a:rPr lang="zh-CN" altLang="en-US" dirty="0" smtClean="0">
+                <a:sym typeface="Wingdings" panose="05000000000000000000" pitchFamily="2" charset="2"/>
+              </a:rPr>
+              <a:t>文件中只有</a:t>
+            </a:r>
+            <a:r>
+              <a:rPr lang="en-US" altLang="zh-CN" dirty="0" smtClean="0">
+                <a:sym typeface="Wingdings" panose="05000000000000000000" pitchFamily="2" charset="2"/>
+              </a:rPr>
+              <a:t>DVD</a:t>
+            </a:r>
+            <a:r>
+              <a:rPr lang="zh-CN" altLang="en-US" dirty="0" smtClean="0">
+                <a:sym typeface="Wingdings" panose="05000000000000000000" pitchFamily="2" charset="2"/>
+              </a:rPr>
+              <a:t>的源，没有网络源</a:t>
+            </a:r>
+            <a:endParaRPr lang="en-US" altLang="zh-CN" dirty="0" smtClean="0">
+              <a:sym typeface="Wingdings" panose="05000000000000000000" pitchFamily="2" charset="2"/>
+            </a:endParaRPr>
+          </a:p>
+          <a:p>
+            <a:endParaRPr lang="en-US" altLang="zh-CN" dirty="0">
+              <a:sym typeface="Wingdings" panose="05000000000000000000" pitchFamily="2" charset="2"/>
+            </a:endParaRPr>
+          </a:p>
+        </p:txBody>
+      </p:sp>
+    </p:spTree>
+    <p:extLst>
+      <p:ext uri="{BB962C8B-B14F-4D97-AF65-F5344CB8AC3E}">
+        <p14:creationId xmlns:p14="http://schemas.microsoft.com/office/powerpoint/2010/main" val="4226242151"/>
+      </p:ext>
+    </p:extLst>
+  </p:cSld>
+  <p:clrMapOvr>
+    <a:masterClrMapping/>
+  </p:clrMapOvr>
+  <p:timing>
+    <p:tnLst>
+      <p:par>
+        <p:cTn id="1" dur="indefinite" restart="never" nodeType="tmRoot"/>
+      </p:par>
+    </p:tnLst>
+  </p:timing>
+</p:sld>
+</file>
+
+<file path=ppt/slides/slide6.xml><?xml version="1.0" encoding="utf-8"?>
+<p:sld xmlns:a="http://schemas.openxmlformats.org/drawingml/2006/main" xmlns:r="http://schemas.openxmlformats.org/officeDocument/2006/relationships" xmlns:p="http://schemas.openxmlformats.org/presentationml/2006/main">
+  <p:cSld>
+    <p:spTree>
+      <p:nvGrpSpPr>
+        <p:cNvPr id="1" name=""/>
+        <p:cNvGrpSpPr/>
+        <p:nvPr/>
+      </p:nvGrpSpPr>
+      <p:grpSpPr>
+        <a:xfrm>
+          <a:off x="0" y="0"/>
+          <a:ext cx="0" cy="0"/>
+          <a:chOff x="0" y="0"/>
+          <a:chExt cx="0" cy="0"/>
+        </a:xfrm>
+      </p:grpSpPr>
+      <p:sp>
+        <p:nvSpPr>
+          <p:cNvPr id="2" name="文本框 1"/>
+          <p:cNvSpPr txBox="1"/>
+          <p:nvPr/>
+        </p:nvSpPr>
+        <p:spPr>
+          <a:xfrm>
+            <a:off x="850900" y="355600"/>
+            <a:ext cx="10515600" cy="5909310"/>
+          </a:xfrm>
+          <a:prstGeom prst="rect">
+            <a:avLst/>
+          </a:prstGeom>
+          <a:noFill/>
+        </p:spPr>
+        <p:txBody>
+          <a:bodyPr wrap="square" rtlCol="0">
+            <a:spAutoFit/>
+          </a:bodyPr>
+          <a:lstStyle/>
+          <a:p>
+            <a:r>
+              <a:rPr lang="zh-CN" altLang="en-US" dirty="0">
+                <a:sym typeface="Wingdings" panose="05000000000000000000" pitchFamily="2" charset="2"/>
+              </a:rPr>
+              <a:t>配</a:t>
+            </a:r>
+            <a:r>
+              <a:rPr lang="zh-CN" altLang="en-US" dirty="0" smtClean="0">
+                <a:sym typeface="Wingdings" panose="05000000000000000000" pitchFamily="2" charset="2"/>
+              </a:rPr>
+              <a:t>置</a:t>
+            </a:r>
+            <a:r>
+              <a:rPr lang="en-US" altLang="zh-CN" dirty="0" smtClean="0">
+                <a:sym typeface="Wingdings" panose="05000000000000000000" pitchFamily="2" charset="2"/>
+              </a:rPr>
+              <a:t>apt</a:t>
+            </a:r>
+            <a:r>
+              <a:rPr lang="zh-CN" altLang="en-US" dirty="0" smtClean="0">
+                <a:sym typeface="Wingdings" panose="05000000000000000000" pitchFamily="2" charset="2"/>
+              </a:rPr>
+              <a:t>的代理</a:t>
+            </a:r>
+            <a:endParaRPr lang="en-US" altLang="zh-CN" dirty="0" smtClean="0">
+              <a:sym typeface="Wingdings" panose="05000000000000000000" pitchFamily="2" charset="2"/>
+            </a:endParaRPr>
+          </a:p>
+          <a:p>
+            <a:endParaRPr lang="en-US" altLang="zh-CN" dirty="0">
+              <a:sym typeface="Wingdings" panose="05000000000000000000" pitchFamily="2" charset="2"/>
+            </a:endParaRPr>
+          </a:p>
+          <a:p>
+            <a:r>
+              <a:rPr lang="en-US" altLang="zh-CN" dirty="0" smtClean="0">
+                <a:sym typeface="Wingdings" panose="05000000000000000000" pitchFamily="2" charset="2"/>
+              </a:rPr>
+              <a:t>/</a:t>
+            </a:r>
+            <a:r>
+              <a:rPr lang="en-US" altLang="zh-CN" dirty="0" err="1" smtClean="0">
+                <a:sym typeface="Wingdings" panose="05000000000000000000" pitchFamily="2" charset="2"/>
+              </a:rPr>
+              <a:t>etc</a:t>
+            </a:r>
+            <a:r>
+              <a:rPr lang="en-US" altLang="zh-CN" dirty="0" smtClean="0">
+                <a:sym typeface="Wingdings" panose="05000000000000000000" pitchFamily="2" charset="2"/>
+              </a:rPr>
+              <a:t>/apt/</a:t>
+            </a:r>
+            <a:r>
+              <a:rPr lang="en-US" altLang="zh-CN" dirty="0" err="1" smtClean="0">
+                <a:sym typeface="Wingdings" panose="05000000000000000000" pitchFamily="2" charset="2"/>
+              </a:rPr>
+              <a:t>apt.conf.d</a:t>
+            </a:r>
+            <a:r>
+              <a:rPr lang="en-US" altLang="zh-CN" dirty="0" smtClean="0">
+                <a:sym typeface="Wingdings" panose="05000000000000000000" pitchFamily="2" charset="2"/>
+              </a:rPr>
+              <a:t>/80proxy</a:t>
+            </a:r>
+          </a:p>
+          <a:p>
+            <a:endParaRPr lang="en-US" altLang="zh-CN" dirty="0">
+              <a:sym typeface="Wingdings" panose="05000000000000000000" pitchFamily="2" charset="2"/>
+            </a:endParaRPr>
+          </a:p>
+          <a:p>
+            <a:r>
+              <a:rPr lang="en-US" altLang="zh-CN" dirty="0" smtClean="0">
+                <a:sym typeface="Wingdings" panose="05000000000000000000" pitchFamily="2" charset="2"/>
+              </a:rPr>
+              <a:t>Acquire</a:t>
+            </a:r>
+            <a:r>
+              <a:rPr lang="en-US" altLang="zh-CN" dirty="0">
+                <a:sym typeface="Wingdings" panose="05000000000000000000" pitchFamily="2" charset="2"/>
+              </a:rPr>
+              <a:t>::http::proxy "http://192.168.120.1:8080";</a:t>
+            </a:r>
+          </a:p>
+          <a:p>
+            <a:r>
+              <a:rPr lang="en-US" altLang="zh-CN" dirty="0">
+                <a:sym typeface="Wingdings" panose="05000000000000000000" pitchFamily="2" charset="2"/>
+              </a:rPr>
+              <a:t>Acquire::https::proxy "http://192.168.120.1:8080";</a:t>
+            </a:r>
+          </a:p>
+          <a:p>
+            <a:r>
+              <a:rPr lang="en-US" altLang="zh-CN" dirty="0">
+                <a:sym typeface="Wingdings" panose="05000000000000000000" pitchFamily="2" charset="2"/>
+              </a:rPr>
+              <a:t>Acquire::ftp::proxy "ftp://192.168.120.1:8080";</a:t>
+            </a:r>
+            <a:endParaRPr lang="en-US" altLang="zh-CN" dirty="0" smtClean="0">
+              <a:sym typeface="Wingdings" panose="05000000000000000000" pitchFamily="2" charset="2"/>
+            </a:endParaRPr>
+          </a:p>
+          <a:p>
+            <a:endParaRPr lang="en-US" altLang="zh-CN" dirty="0" smtClean="0">
+              <a:sym typeface="Wingdings" panose="05000000000000000000" pitchFamily="2" charset="2"/>
+            </a:endParaRPr>
+          </a:p>
+          <a:p>
+            <a:endParaRPr lang="en-US" altLang="zh-CN" dirty="0" smtClean="0">
+              <a:sym typeface="Wingdings" panose="05000000000000000000" pitchFamily="2" charset="2"/>
+            </a:endParaRPr>
+          </a:p>
+          <a:p>
+            <a:endParaRPr lang="en-US" altLang="zh-CN" dirty="0">
+              <a:sym typeface="Wingdings" panose="05000000000000000000" pitchFamily="2" charset="2"/>
+            </a:endParaRPr>
+          </a:p>
+          <a:p>
+            <a:r>
+              <a:rPr lang="en-US" altLang="zh-CN" dirty="0" err="1" smtClean="0">
+                <a:sym typeface="Wingdings" panose="05000000000000000000" pitchFamily="2" charset="2"/>
+              </a:rPr>
+              <a:t>sudo</a:t>
+            </a:r>
+            <a:r>
+              <a:rPr lang="en-US" altLang="zh-CN" dirty="0" smtClean="0">
+                <a:sym typeface="Wingdings" panose="05000000000000000000" pitchFamily="2" charset="2"/>
+              </a:rPr>
+              <a:t> apt update</a:t>
+            </a:r>
+          </a:p>
+          <a:p>
+            <a:r>
+              <a:rPr lang="en-US" altLang="zh-CN" dirty="0" err="1" smtClean="0">
+                <a:sym typeface="Wingdings" panose="05000000000000000000" pitchFamily="2" charset="2"/>
+              </a:rPr>
+              <a:t>sudo</a:t>
+            </a:r>
+            <a:r>
+              <a:rPr lang="en-US" altLang="zh-CN" dirty="0" smtClean="0">
+                <a:sym typeface="Wingdings" panose="05000000000000000000" pitchFamily="2" charset="2"/>
+              </a:rPr>
+              <a:t> apt upgrade</a:t>
+            </a:r>
+          </a:p>
+          <a:p>
+            <a:endParaRPr lang="en-US" altLang="zh-CN" dirty="0">
+              <a:sym typeface="Wingdings" panose="05000000000000000000" pitchFamily="2" charset="2"/>
+            </a:endParaRPr>
+          </a:p>
+          <a:p>
+            <a:endParaRPr lang="en-US" altLang="zh-CN" dirty="0" smtClean="0">
+              <a:sym typeface="Wingdings" panose="05000000000000000000" pitchFamily="2" charset="2"/>
+            </a:endParaRPr>
+          </a:p>
+          <a:p>
+            <a:endParaRPr lang="en-US" altLang="zh-CN" dirty="0">
+              <a:sym typeface="Wingdings" panose="05000000000000000000" pitchFamily="2" charset="2"/>
+            </a:endParaRPr>
+          </a:p>
+          <a:p>
+            <a:r>
+              <a:rPr lang="en-US" altLang="ja-JP" dirty="0" smtClean="0">
+                <a:sym typeface="Wingdings" panose="05000000000000000000" pitchFamily="2" charset="2"/>
+              </a:rPr>
+              <a:t>※</a:t>
+            </a:r>
+            <a:r>
+              <a:rPr lang="zh-CN" altLang="en-US" dirty="0" smtClean="0">
+                <a:sym typeface="Wingdings" panose="05000000000000000000" pitchFamily="2" charset="2"/>
+              </a:rPr>
+              <a:t>提示</a:t>
+            </a:r>
+            <a:r>
+              <a:rPr lang="en-US" altLang="zh-CN" dirty="0" err="1" smtClean="0">
+                <a:sym typeface="Wingdings" panose="05000000000000000000" pitchFamily="2" charset="2"/>
+              </a:rPr>
+              <a:t>sudo</a:t>
+            </a:r>
+            <a:r>
+              <a:rPr lang="zh-CN" altLang="en-US" dirty="0" smtClean="0">
+                <a:sym typeface="Wingdings" panose="05000000000000000000" pitchFamily="2" charset="2"/>
+              </a:rPr>
+              <a:t>不可用时，需要将</a:t>
+            </a:r>
+            <a:r>
+              <a:rPr lang="zh-CN" altLang="en-US" dirty="0">
+                <a:sym typeface="Wingdings" panose="05000000000000000000" pitchFamily="2" charset="2"/>
+              </a:rPr>
+              <a:t>当前用户加入</a:t>
+            </a:r>
+            <a:r>
+              <a:rPr lang="en-US" altLang="zh-CN" dirty="0" err="1">
+                <a:sym typeface="Wingdings" panose="05000000000000000000" pitchFamily="2" charset="2"/>
+              </a:rPr>
+              <a:t>sudo</a:t>
+            </a:r>
+            <a:r>
+              <a:rPr lang="zh-CN" altLang="en-US" dirty="0" smtClean="0">
+                <a:sym typeface="Wingdings" panose="05000000000000000000" pitchFamily="2" charset="2"/>
+              </a:rPr>
+              <a:t>组，以下以用户</a:t>
+            </a:r>
+            <a:r>
+              <a:rPr lang="en-US" altLang="zh-CN" dirty="0" smtClean="0">
+                <a:sym typeface="Wingdings" panose="05000000000000000000" pitchFamily="2" charset="2"/>
+              </a:rPr>
+              <a:t>fsd</a:t>
+            </a:r>
+            <a:r>
+              <a:rPr lang="zh-CN" altLang="en-US" dirty="0" smtClean="0">
+                <a:sym typeface="Wingdings" panose="05000000000000000000" pitchFamily="2" charset="2"/>
+              </a:rPr>
+              <a:t>为例</a:t>
+            </a:r>
+            <a:endParaRPr lang="en-US" altLang="zh-CN" dirty="0">
+              <a:sym typeface="Wingdings" panose="05000000000000000000" pitchFamily="2" charset="2"/>
+            </a:endParaRPr>
+          </a:p>
+          <a:p>
+            <a:r>
+              <a:rPr lang="en-US" altLang="zh-CN" dirty="0">
+                <a:sym typeface="Wingdings" panose="05000000000000000000" pitchFamily="2" charset="2"/>
+              </a:rPr>
+              <a:t>groups fsd		// </a:t>
+            </a:r>
+            <a:r>
+              <a:rPr lang="zh-CN" altLang="en-US" dirty="0">
+                <a:sym typeface="Wingdings" panose="05000000000000000000" pitchFamily="2" charset="2"/>
+              </a:rPr>
+              <a:t>确定用户</a:t>
+            </a:r>
+            <a:r>
+              <a:rPr lang="en-US" altLang="zh-CN" dirty="0">
+                <a:sym typeface="Wingdings" panose="05000000000000000000" pitchFamily="2" charset="2"/>
+              </a:rPr>
+              <a:t>fsd</a:t>
+            </a:r>
+            <a:r>
+              <a:rPr lang="zh-CN" altLang="en-US" dirty="0">
+                <a:sym typeface="Wingdings" panose="05000000000000000000" pitchFamily="2" charset="2"/>
+              </a:rPr>
+              <a:t>在哪些组里</a:t>
+            </a:r>
+            <a:endParaRPr lang="en-US" altLang="zh-CN" dirty="0">
+              <a:sym typeface="Wingdings" panose="05000000000000000000" pitchFamily="2" charset="2"/>
+            </a:endParaRPr>
+          </a:p>
+          <a:p>
+            <a:r>
+              <a:rPr lang="en-US" altLang="zh-CN" dirty="0" err="1">
+                <a:sym typeface="Wingdings" panose="05000000000000000000" pitchFamily="2" charset="2"/>
+              </a:rPr>
+              <a:t>su</a:t>
+            </a:r>
+            <a:r>
+              <a:rPr lang="en-US" altLang="zh-CN" dirty="0">
+                <a:sym typeface="Wingdings" panose="05000000000000000000" pitchFamily="2" charset="2"/>
+              </a:rPr>
+              <a:t>			// </a:t>
+            </a:r>
+            <a:r>
+              <a:rPr lang="zh-CN" altLang="en-US" dirty="0">
+                <a:sym typeface="Wingdings" panose="05000000000000000000" pitchFamily="2" charset="2"/>
+              </a:rPr>
+              <a:t>输入密码后  切换到</a:t>
+            </a:r>
+            <a:r>
+              <a:rPr lang="en-US" altLang="zh-CN" dirty="0">
+                <a:sym typeface="Wingdings" panose="05000000000000000000" pitchFamily="2" charset="2"/>
+              </a:rPr>
+              <a:t>root</a:t>
+            </a:r>
+            <a:r>
+              <a:rPr lang="zh-CN" altLang="en-US" dirty="0">
+                <a:sym typeface="Wingdings" panose="05000000000000000000" pitchFamily="2" charset="2"/>
+              </a:rPr>
+              <a:t>用户</a:t>
+            </a:r>
+            <a:endParaRPr lang="en-US" altLang="zh-CN" dirty="0">
+              <a:sym typeface="Wingdings" panose="05000000000000000000" pitchFamily="2" charset="2"/>
+            </a:endParaRPr>
+          </a:p>
+          <a:p>
+            <a:r>
+              <a:rPr lang="en-US" altLang="zh-CN" dirty="0" err="1">
+                <a:sym typeface="Wingdings" panose="05000000000000000000" pitchFamily="2" charset="2"/>
+              </a:rPr>
+              <a:t>sudo</a:t>
+            </a:r>
+            <a:r>
+              <a:rPr lang="en-US" altLang="zh-CN" dirty="0">
+                <a:sym typeface="Wingdings" panose="05000000000000000000" pitchFamily="2" charset="2"/>
+              </a:rPr>
+              <a:t> </a:t>
+            </a:r>
+            <a:r>
+              <a:rPr lang="en-US" altLang="zh-CN" dirty="0" err="1">
+                <a:sym typeface="Wingdings" panose="05000000000000000000" pitchFamily="2" charset="2"/>
+              </a:rPr>
+              <a:t>usermod</a:t>
+            </a:r>
+            <a:r>
+              <a:rPr lang="en-US" altLang="zh-CN" dirty="0">
+                <a:sym typeface="Wingdings" panose="05000000000000000000" pitchFamily="2" charset="2"/>
+              </a:rPr>
+              <a:t> -</a:t>
+            </a:r>
+            <a:r>
+              <a:rPr lang="en-US" altLang="zh-CN" dirty="0" err="1">
+                <a:sym typeface="Wingdings" panose="05000000000000000000" pitchFamily="2" charset="2"/>
+              </a:rPr>
+              <a:t>aG</a:t>
+            </a:r>
+            <a:r>
+              <a:rPr lang="en-US" altLang="zh-CN" dirty="0">
+                <a:sym typeface="Wingdings" panose="05000000000000000000" pitchFamily="2" charset="2"/>
+              </a:rPr>
+              <a:t> </a:t>
+            </a:r>
+            <a:r>
+              <a:rPr lang="en-US" altLang="zh-CN" dirty="0" err="1">
+                <a:sym typeface="Wingdings" panose="05000000000000000000" pitchFamily="2" charset="2"/>
+              </a:rPr>
+              <a:t>sudo</a:t>
+            </a:r>
+            <a:r>
+              <a:rPr lang="en-US" altLang="zh-CN" dirty="0">
+                <a:sym typeface="Wingdings" panose="05000000000000000000" pitchFamily="2" charset="2"/>
+              </a:rPr>
+              <a:t> fsd	// </a:t>
+            </a:r>
+            <a:r>
+              <a:rPr lang="zh-CN" altLang="en-US" dirty="0">
+                <a:sym typeface="Wingdings" panose="05000000000000000000" pitchFamily="2" charset="2"/>
+              </a:rPr>
+              <a:t>将</a:t>
+            </a:r>
+            <a:r>
+              <a:rPr lang="en-US" altLang="zh-CN" dirty="0">
+                <a:sym typeface="Wingdings" panose="05000000000000000000" pitchFamily="2" charset="2"/>
+              </a:rPr>
+              <a:t>fsd</a:t>
+            </a:r>
+            <a:r>
+              <a:rPr lang="zh-CN" altLang="en-US" dirty="0">
+                <a:sym typeface="Wingdings" panose="05000000000000000000" pitchFamily="2" charset="2"/>
+              </a:rPr>
+              <a:t>加入到</a:t>
+            </a:r>
+            <a:r>
+              <a:rPr lang="en-US" altLang="zh-CN" dirty="0" err="1">
+                <a:sym typeface="Wingdings" panose="05000000000000000000" pitchFamily="2" charset="2"/>
+              </a:rPr>
+              <a:t>sudo</a:t>
+            </a:r>
+            <a:r>
+              <a:rPr lang="zh-CN" altLang="en-US" dirty="0">
+                <a:sym typeface="Wingdings" panose="05000000000000000000" pitchFamily="2" charset="2"/>
+              </a:rPr>
+              <a:t>组</a:t>
+            </a:r>
+            <a:r>
+              <a:rPr lang="zh-CN" altLang="en-US" dirty="0" smtClean="0">
+                <a:sym typeface="Wingdings" panose="05000000000000000000" pitchFamily="2" charset="2"/>
+              </a:rPr>
+              <a:t>中</a:t>
+            </a:r>
+            <a:endParaRPr lang="en-US" altLang="zh-CN" dirty="0" smtClean="0">
+              <a:sym typeface="Wingdings" panose="05000000000000000000" pitchFamily="2" charset="2"/>
+            </a:endParaRPr>
+          </a:p>
+          <a:p>
+            <a:r>
+              <a:rPr lang="en-US" altLang="zh-CN" dirty="0" err="1" smtClean="0">
+                <a:sym typeface="Wingdings" panose="05000000000000000000" pitchFamily="2" charset="2"/>
+              </a:rPr>
+              <a:t>su</a:t>
+            </a:r>
+            <a:r>
+              <a:rPr lang="en-US" altLang="zh-CN" dirty="0" smtClean="0">
+                <a:sym typeface="Wingdings" panose="05000000000000000000" pitchFamily="2" charset="2"/>
+              </a:rPr>
+              <a:t> fsd			// </a:t>
+            </a:r>
+            <a:r>
+              <a:rPr lang="zh-CN" altLang="en-US" dirty="0" smtClean="0">
+                <a:sym typeface="Wingdings" panose="05000000000000000000" pitchFamily="2" charset="2"/>
+              </a:rPr>
+              <a:t>切换回</a:t>
+            </a:r>
+            <a:r>
+              <a:rPr lang="en-US" altLang="zh-CN" dirty="0" smtClean="0">
+                <a:sym typeface="Wingdings" panose="05000000000000000000" pitchFamily="2" charset="2"/>
+              </a:rPr>
+              <a:t>fsd</a:t>
+            </a:r>
+            <a:endParaRPr lang="en-US" altLang="zh-CN" dirty="0">
+              <a:sym typeface="Wingdings" panose="05000000000000000000" pitchFamily="2" charset="2"/>
+            </a:endParaRPr>
+          </a:p>
+          <a:p>
+            <a:endParaRPr lang="en-US" altLang="zh-CN" dirty="0" smtClean="0">
+              <a:sym typeface="Wingdings" panose="05000000000000000000" pitchFamily="2" charset="2"/>
+            </a:endParaRPr>
+          </a:p>
+        </p:txBody>
+      </p:sp>
+    </p:spTree>
+    <p:extLst>
+      <p:ext uri="{BB962C8B-B14F-4D97-AF65-F5344CB8AC3E}">
+        <p14:creationId xmlns:p14="http://schemas.microsoft.com/office/powerpoint/2010/main" val="1700622677"/>
+      </p:ext>
+    </p:extLst>
+  </p:cSld>
+  <p:clrMapOvr>
+    <a:masterClrMapping/>
+  </p:clrMapOvr>
+</p:sld>
+</file>
+
+<file path=ppt/slides/slide7.xml><?xml version="1.0" encoding="utf-8"?>
+<p:sld xmlns:a="http://schemas.openxmlformats.org/drawingml/2006/main" xmlns:r="http://schemas.openxmlformats.org/officeDocument/2006/relationships" xmlns:p="http://schemas.openxmlformats.org/presentationml/2006/main">
+  <p:cSld>
+    <p:spTree>
+      <p:nvGrpSpPr>
+        <p:cNvPr id="1" name=""/>
+        <p:cNvGrpSpPr/>
+        <p:nvPr/>
+      </p:nvGrpSpPr>
+      <p:grpSpPr>
+        <a:xfrm>
+          <a:off x="0" y="0"/>
+          <a:ext cx="0" cy="0"/>
+          <a:chOff x="0" y="0"/>
+          <a:chExt cx="0" cy="0"/>
+        </a:xfrm>
+      </p:grpSpPr>
+      <p:sp>
+        <p:nvSpPr>
+          <p:cNvPr id="2" name="文本框 1"/>
+          <p:cNvSpPr txBox="1"/>
+          <p:nvPr/>
+        </p:nvSpPr>
+        <p:spPr>
+          <a:xfrm>
+            <a:off x="850900" y="279400"/>
+            <a:ext cx="10515600" cy="646331"/>
+          </a:xfrm>
+          <a:prstGeom prst="rect">
+            <a:avLst/>
+          </a:prstGeom>
+          <a:noFill/>
+        </p:spPr>
+        <p:txBody>
+          <a:bodyPr wrap="square" rtlCol="0">
+            <a:spAutoFit/>
+          </a:bodyPr>
+          <a:lstStyle/>
+          <a:p>
+            <a:r>
+              <a:rPr lang="en-US" altLang="zh-CN" dirty="0" smtClean="0">
+                <a:sym typeface="Wingdings" panose="05000000000000000000" pitchFamily="2" charset="2"/>
+              </a:rPr>
+              <a:t>VBOX</a:t>
+            </a:r>
+            <a:r>
+              <a:rPr lang="zh-CN" altLang="en-US" dirty="0" smtClean="0">
+                <a:sym typeface="Wingdings" panose="05000000000000000000" pitchFamily="2" charset="2"/>
+              </a:rPr>
+              <a:t>软件的菜单</a:t>
+            </a:r>
+            <a:endParaRPr lang="en-US" altLang="zh-CN" dirty="0" smtClean="0">
+              <a:sym typeface="Wingdings" panose="05000000000000000000" pitchFamily="2" charset="2"/>
+            </a:endParaRPr>
+          </a:p>
+          <a:p>
+            <a:r>
+              <a:rPr lang="zh-CN" altLang="en-US" dirty="0">
+                <a:sym typeface="Wingdings" panose="05000000000000000000" pitchFamily="2" charset="2"/>
+              </a:rPr>
+              <a:t>设</a:t>
+            </a:r>
+            <a:r>
+              <a:rPr lang="zh-CN" altLang="en-US" dirty="0" smtClean="0">
+                <a:sym typeface="Wingdings" panose="05000000000000000000" pitchFamily="2" charset="2"/>
+              </a:rPr>
+              <a:t>备 </a:t>
+            </a:r>
+            <a:r>
+              <a:rPr lang="en-US" altLang="zh-CN" dirty="0" smtClean="0">
+                <a:sym typeface="Wingdings" panose="05000000000000000000" pitchFamily="2" charset="2"/>
+              </a:rPr>
+              <a:t> </a:t>
+            </a:r>
+            <a:r>
+              <a:rPr lang="zh-CN" altLang="en-US" dirty="0" smtClean="0">
+                <a:sym typeface="Wingdings" panose="05000000000000000000" pitchFamily="2" charset="2"/>
+              </a:rPr>
+              <a:t>安装增强工具</a:t>
+            </a:r>
+            <a:endParaRPr lang="en-US" altLang="zh-CN" dirty="0" smtClean="0">
+              <a:sym typeface="Wingdings" panose="05000000000000000000" pitchFamily="2" charset="2"/>
+            </a:endParaRPr>
+          </a:p>
+        </p:txBody>
+      </p:sp>
+      <p:pic>
+        <p:nvPicPr>
+          <p:cNvPr id="4" name="图片 3"/>
+          <p:cNvPicPr>
+            <a:picLocks noChangeAspect="1"/>
+          </p:cNvPicPr>
+          <p:nvPr/>
+        </p:nvPicPr>
+        <p:blipFill>
+          <a:blip r:embed="rId2"/>
+          <a:stretch>
+            <a:fillRect/>
+          </a:stretch>
+        </p:blipFill>
+        <p:spPr>
+          <a:xfrm>
+            <a:off x="983190" y="1126530"/>
+            <a:ext cx="8447619" cy="5200000"/>
+          </a:xfrm>
+          <a:prstGeom prst="rect">
+            <a:avLst/>
+          </a:prstGeom>
+        </p:spPr>
+      </p:pic>
+    </p:spTree>
+    <p:extLst>
+      <p:ext uri="{BB962C8B-B14F-4D97-AF65-F5344CB8AC3E}">
+        <p14:creationId xmlns:p14="http://schemas.microsoft.com/office/powerpoint/2010/main" val="2073486830"/>
+      </p:ext>
+    </p:extLst>
+  </p:cSld>
+  <p:clrMapOvr>
+    <a:masterClrMapping/>
+  </p:clrMapOvr>
+</p:sld>
+</file>
+
+<file path=ppt/slides/slide8.xml><?xml version="1.0" encoding="utf-8"?>
+<p:sld xmlns:a="http://schemas.openxmlformats.org/drawingml/2006/main" xmlns:r="http://schemas.openxmlformats.org/officeDocument/2006/relationships" xmlns:p="http://schemas.openxmlformats.org/presentationml/2006/main">
+  <p:cSld>
+    <p:spTree>
+      <p:nvGrpSpPr>
+        <p:cNvPr id="1" name=""/>
+        <p:cNvGrpSpPr/>
+        <p:nvPr/>
+      </p:nvGrpSpPr>
+      <p:grpSpPr>
+        <a:xfrm>
+          <a:off x="0" y="0"/>
+          <a:ext cx="0" cy="0"/>
+          <a:chOff x="0" y="0"/>
+          <a:chExt cx="0" cy="0"/>
+        </a:xfrm>
+      </p:grpSpPr>
+      <p:pic>
+        <p:nvPicPr>
+          <p:cNvPr id="5" name="图片 4"/>
+          <p:cNvPicPr>
+            <a:picLocks noChangeAspect="1"/>
+          </p:cNvPicPr>
+          <p:nvPr/>
+        </p:nvPicPr>
+        <p:blipFill>
+          <a:blip r:embed="rId2"/>
+          <a:stretch>
+            <a:fillRect/>
+          </a:stretch>
+        </p:blipFill>
+        <p:spPr>
+          <a:xfrm>
+            <a:off x="628650" y="717550"/>
+            <a:ext cx="7734300" cy="3009900"/>
+          </a:xfrm>
+          <a:prstGeom prst="rect">
+            <a:avLst/>
+          </a:prstGeom>
+        </p:spPr>
+      </p:pic>
+    </p:spTree>
+    <p:extLst>
+      <p:ext uri="{BB962C8B-B14F-4D97-AF65-F5344CB8AC3E}">
+        <p14:creationId xmlns:p14="http://schemas.microsoft.com/office/powerpoint/2010/main" val="22298303"/>
+      </p:ext>
+    </p:extLst>
+  </p:cSld>
+  <p:clrMapOvr>
+    <a:masterClrMapping/>
+  </p:clrMapOvr>
+</p:sld>
+</file>
+
+<file path=ppt/slides/slide9.xml><?xml version="1.0" encoding="utf-8"?>
+<p:sld xmlns:a="http://schemas.openxmlformats.org/drawingml/2006/main" xmlns:r="http://schemas.openxmlformats.org/officeDocument/2006/relationships" xmlns:p="http://schemas.openxmlformats.org/presentationml/2006/main">
+  <p:cSld>
+    <p:spTree>
+      <p:nvGrpSpPr>
+        <p:cNvPr id="1" name=""/>
+        <p:cNvGrpSpPr/>
+        <p:nvPr/>
+      </p:nvGrpSpPr>
+      <p:grpSpPr>
+        <a:xfrm>
+          <a:off x="0" y="0"/>
+          <a:ext cx="0" cy="0"/>
+          <a:chOff x="0" y="0"/>
+          <a:chExt cx="0" cy="0"/>
+        </a:xfrm>
+      </p:grpSpPr>
+      <p:sp>
+        <p:nvSpPr>
+          <p:cNvPr id="2" name="文本框 1"/>
+          <p:cNvSpPr txBox="1"/>
+          <p:nvPr/>
+        </p:nvSpPr>
+        <p:spPr>
+          <a:xfrm>
+            <a:off x="749300" y="673100"/>
+            <a:ext cx="10515600" cy="5632311"/>
+          </a:xfrm>
+          <a:prstGeom prst="rect">
+            <a:avLst/>
+          </a:prstGeom>
+          <a:noFill/>
+        </p:spPr>
+        <p:txBody>
+          <a:bodyPr wrap="square" rtlCol="0">
+            <a:spAutoFit/>
+          </a:bodyPr>
+          <a:lstStyle/>
+          <a:p>
+            <a:r>
+              <a:rPr lang="arn-CL" altLang="zh-CN" dirty="0">
+                <a:sym typeface="Wingdings" panose="05000000000000000000" pitchFamily="2" charset="2"/>
+              </a:rPr>
+              <a:t>sudo apt install </a:t>
+            </a:r>
+            <a:r>
+              <a:rPr lang="arn-CL" altLang="zh-CN" dirty="0" smtClean="0">
+                <a:sym typeface="Wingdings" panose="05000000000000000000" pitchFamily="2" charset="2"/>
+              </a:rPr>
+              <a:t>git</a:t>
+            </a:r>
+          </a:p>
+          <a:p>
+            <a:r>
+              <a:rPr lang="zh-CN" altLang="en-US" dirty="0" smtClean="0">
+                <a:sym typeface="Wingdings" panose="05000000000000000000" pitchFamily="2" charset="2"/>
+              </a:rPr>
+              <a:t>配置用户名和邮件</a:t>
+            </a:r>
+            <a:endParaRPr lang="arn-CL" altLang="zh-CN" dirty="0" smtClean="0">
+              <a:sym typeface="Wingdings" panose="05000000000000000000" pitchFamily="2" charset="2"/>
+            </a:endParaRPr>
+          </a:p>
+          <a:p>
+            <a:endParaRPr lang="arn-CL" altLang="zh-CN" dirty="0">
+              <a:sym typeface="Wingdings" panose="05000000000000000000" pitchFamily="2" charset="2"/>
+            </a:endParaRPr>
+          </a:p>
+          <a:p>
+            <a:endParaRPr lang="arn-CL" altLang="zh-CN" dirty="0" smtClean="0">
+              <a:sym typeface="Wingdings" panose="05000000000000000000" pitchFamily="2" charset="2"/>
+            </a:endParaRPr>
+          </a:p>
+          <a:p>
+            <a:endParaRPr lang="arn-CL" altLang="zh-CN" dirty="0">
+              <a:sym typeface="Wingdings" panose="05000000000000000000" pitchFamily="2" charset="2"/>
+            </a:endParaRPr>
+          </a:p>
+          <a:p>
+            <a:endParaRPr lang="arn-CL" altLang="zh-CN" dirty="0" smtClean="0">
+              <a:sym typeface="Wingdings" panose="05000000000000000000" pitchFamily="2" charset="2"/>
+            </a:endParaRPr>
+          </a:p>
+          <a:p>
+            <a:endParaRPr lang="arn-CL" altLang="zh-CN" dirty="0">
+              <a:sym typeface="Wingdings" panose="05000000000000000000" pitchFamily="2" charset="2"/>
+            </a:endParaRPr>
+          </a:p>
+          <a:p>
+            <a:r>
+              <a:rPr lang="zh-CN" altLang="en-US" dirty="0" smtClean="0">
+                <a:sym typeface="Wingdings" panose="05000000000000000000" pitchFamily="2" charset="2"/>
+              </a:rPr>
+              <a:t>根据网络环境配置</a:t>
+            </a:r>
+            <a:r>
+              <a:rPr lang="en-US" altLang="zh-CN" dirty="0" smtClean="0">
+                <a:sym typeface="Wingdings" panose="05000000000000000000" pitchFamily="2" charset="2"/>
+              </a:rPr>
+              <a:t>corkscrew</a:t>
+            </a:r>
+          </a:p>
+          <a:p>
+            <a:r>
+              <a:rPr lang="en-US" altLang="zh-CN" dirty="0" err="1">
+                <a:sym typeface="Wingdings" panose="05000000000000000000" pitchFamily="2" charset="2"/>
+              </a:rPr>
+              <a:t>sudo</a:t>
+            </a:r>
+            <a:r>
+              <a:rPr lang="en-US" altLang="zh-CN" dirty="0">
+                <a:sym typeface="Wingdings" panose="05000000000000000000" pitchFamily="2" charset="2"/>
+              </a:rPr>
+              <a:t> apt install </a:t>
+            </a:r>
+            <a:r>
+              <a:rPr lang="en-US" altLang="zh-CN" dirty="0" smtClean="0">
+                <a:sym typeface="Wingdings" panose="05000000000000000000" pitchFamily="2" charset="2"/>
+              </a:rPr>
+              <a:t>corkscrew</a:t>
+            </a:r>
+          </a:p>
+          <a:p>
+            <a:endParaRPr lang="en-US" altLang="zh-CN" dirty="0">
+              <a:sym typeface="Wingdings" panose="05000000000000000000" pitchFamily="2" charset="2"/>
+            </a:endParaRPr>
+          </a:p>
+          <a:p>
+            <a:r>
+              <a:rPr lang="en-US" altLang="zh-CN" dirty="0" err="1">
+                <a:sym typeface="Wingdings" panose="05000000000000000000" pitchFamily="2" charset="2"/>
+              </a:rPr>
+              <a:t>git</a:t>
+            </a:r>
+            <a:r>
+              <a:rPr lang="en-US" altLang="zh-CN" dirty="0">
+                <a:sym typeface="Wingdings" panose="05000000000000000000" pitchFamily="2" charset="2"/>
+              </a:rPr>
+              <a:t> </a:t>
+            </a:r>
+            <a:r>
+              <a:rPr lang="en-US" altLang="zh-CN" dirty="0" err="1">
+                <a:sym typeface="Wingdings" panose="05000000000000000000" pitchFamily="2" charset="2"/>
+              </a:rPr>
+              <a:t>config</a:t>
+            </a:r>
+            <a:r>
+              <a:rPr lang="en-US" altLang="zh-CN" dirty="0">
+                <a:sym typeface="Wingdings" panose="05000000000000000000" pitchFamily="2" charset="2"/>
+              </a:rPr>
+              <a:t> --global </a:t>
+            </a:r>
+            <a:r>
+              <a:rPr lang="en-US" altLang="zh-CN" dirty="0" err="1">
+                <a:sym typeface="Wingdings" panose="05000000000000000000" pitchFamily="2" charset="2"/>
+              </a:rPr>
+              <a:t>core.gitproxy</a:t>
+            </a:r>
+            <a:r>
+              <a:rPr lang="en-US" altLang="zh-CN" dirty="0">
+                <a:sym typeface="Wingdings" panose="05000000000000000000" pitchFamily="2" charset="2"/>
+              </a:rPr>
+              <a:t> "/</a:t>
+            </a:r>
+            <a:r>
+              <a:rPr lang="en-US" altLang="zh-CN" dirty="0" err="1" smtClean="0">
+                <a:sym typeface="Wingdings" panose="05000000000000000000" pitchFamily="2" charset="2"/>
+              </a:rPr>
+              <a:t>usr</a:t>
+            </a:r>
+            <a:r>
+              <a:rPr lang="en-US" altLang="zh-CN" dirty="0" smtClean="0">
+                <a:sym typeface="Wingdings" panose="05000000000000000000" pitchFamily="2" charset="2"/>
+              </a:rPr>
+              <a:t>/local/bin/proxy-cmd.sh“</a:t>
+            </a:r>
+          </a:p>
+          <a:p>
+            <a:r>
+              <a:rPr lang="en-US" altLang="zh-CN" dirty="0">
+                <a:sym typeface="Wingdings" panose="05000000000000000000" pitchFamily="2" charset="2"/>
+              </a:rPr>
+              <a:t>/</a:t>
+            </a:r>
+            <a:r>
+              <a:rPr lang="en-US" altLang="zh-CN" dirty="0" smtClean="0">
+                <a:sym typeface="Wingdings" panose="05000000000000000000" pitchFamily="2" charset="2"/>
+              </a:rPr>
+              <a:t>usr/local/bin/proxy-cmd.sh</a:t>
+            </a:r>
+            <a:r>
+              <a:rPr lang="zh-CN" altLang="en-US" dirty="0" smtClean="0">
+                <a:sym typeface="Wingdings" panose="05000000000000000000" pitchFamily="2" charset="2"/>
+              </a:rPr>
+              <a:t>的内容如下：</a:t>
+            </a:r>
+            <a:endParaRPr lang="en-US" altLang="zh-CN" dirty="0" smtClean="0">
+              <a:sym typeface="Wingdings" panose="05000000000000000000" pitchFamily="2" charset="2"/>
+            </a:endParaRPr>
+          </a:p>
+          <a:p>
+            <a:r>
+              <a:rPr lang="en-US" altLang="zh-CN" dirty="0">
+                <a:sym typeface="Wingdings" panose="05000000000000000000" pitchFamily="2" charset="2"/>
+              </a:rPr>
+              <a:t>#!/bin/bash</a:t>
+            </a:r>
+          </a:p>
+          <a:p>
+            <a:r>
+              <a:rPr lang="en-US" altLang="zh-CN" dirty="0">
+                <a:sym typeface="Wingdings" panose="05000000000000000000" pitchFamily="2" charset="2"/>
+              </a:rPr>
+              <a:t>CORKSCREW=`which corkscrew`</a:t>
+            </a:r>
+          </a:p>
+          <a:p>
+            <a:r>
+              <a:rPr lang="en-US" altLang="zh-CN" dirty="0">
+                <a:sym typeface="Wingdings" panose="05000000000000000000" pitchFamily="2" charset="2"/>
+              </a:rPr>
+              <a:t>$CORKSCREW 192.168.120.1 8080 $1 $</a:t>
+            </a:r>
+            <a:r>
+              <a:rPr lang="en-US" altLang="zh-CN" dirty="0" smtClean="0">
+                <a:sym typeface="Wingdings" panose="05000000000000000000" pitchFamily="2" charset="2"/>
+              </a:rPr>
+              <a:t>2</a:t>
+            </a:r>
+          </a:p>
+          <a:p>
+            <a:endParaRPr lang="en-US" altLang="zh-CN" dirty="0">
+              <a:sym typeface="Wingdings" panose="05000000000000000000" pitchFamily="2" charset="2"/>
+            </a:endParaRPr>
+          </a:p>
+          <a:p>
+            <a:r>
+              <a:rPr lang="en-US" altLang="zh-CN" dirty="0">
+                <a:sym typeface="Wingdings" panose="05000000000000000000" pitchFamily="2" charset="2"/>
+              </a:rPr>
+              <a:t>proxy-cmd.sh </a:t>
+            </a:r>
+            <a:r>
+              <a:rPr lang="en-US" altLang="zh-CN" dirty="0" err="1">
+                <a:sym typeface="Wingdings" panose="05000000000000000000" pitchFamily="2" charset="2"/>
+              </a:rPr>
+              <a:t>chmod</a:t>
+            </a:r>
+            <a:r>
+              <a:rPr lang="en-US" altLang="zh-CN" dirty="0">
+                <a:sym typeface="Wingdings" panose="05000000000000000000" pitchFamily="2" charset="2"/>
+              </a:rPr>
+              <a:t> </a:t>
+            </a:r>
+            <a:r>
+              <a:rPr lang="en-US" altLang="zh-CN" dirty="0" smtClean="0">
+                <a:sym typeface="Wingdings" panose="05000000000000000000" pitchFamily="2" charset="2"/>
+              </a:rPr>
+              <a:t>777</a:t>
+            </a:r>
+          </a:p>
+          <a:p>
+            <a:endParaRPr lang="en-US" altLang="zh-CN" dirty="0">
+              <a:sym typeface="Wingdings" panose="05000000000000000000" pitchFamily="2" charset="2"/>
+            </a:endParaRPr>
+          </a:p>
+          <a:p>
+            <a:r>
+              <a:rPr lang="en-US" altLang="zh-CN" dirty="0">
+                <a:sym typeface="Wingdings" panose="05000000000000000000" pitchFamily="2" charset="2"/>
+              </a:rPr>
+              <a:t>~/.</a:t>
+            </a:r>
+            <a:r>
+              <a:rPr lang="en-US" altLang="zh-CN" dirty="0" err="1" smtClean="0">
+                <a:sym typeface="Wingdings" panose="05000000000000000000" pitchFamily="2" charset="2"/>
+              </a:rPr>
+              <a:t>bashrc</a:t>
+            </a:r>
+            <a:r>
+              <a:rPr lang="zh-CN" altLang="en-US" dirty="0" smtClean="0">
+                <a:sym typeface="Wingdings" panose="05000000000000000000" pitchFamily="2" charset="2"/>
+              </a:rPr>
+              <a:t>最后加入</a:t>
+            </a:r>
+            <a:endParaRPr lang="en-US" altLang="zh-CN" dirty="0" smtClean="0">
+              <a:sym typeface="Wingdings" panose="05000000000000000000" pitchFamily="2" charset="2"/>
+            </a:endParaRPr>
+          </a:p>
+          <a:p>
+            <a:r>
+              <a:rPr lang="en-US" altLang="zh-CN" dirty="0">
+                <a:sym typeface="Wingdings" panose="05000000000000000000" pitchFamily="2" charset="2"/>
+              </a:rPr>
+              <a:t>export GIT_PROXY_COMMAND=/usr/local/bin/proxy-cmd.sh</a:t>
+            </a:r>
+            <a:endParaRPr lang="en-US" altLang="zh-CN" dirty="0" smtClean="0">
+              <a:sym typeface="Wingdings" panose="05000000000000000000" pitchFamily="2" charset="2"/>
+            </a:endParaRPr>
+          </a:p>
+        </p:txBody>
+      </p:sp>
+    </p:spTree>
+    <p:extLst>
+      <p:ext uri="{BB962C8B-B14F-4D97-AF65-F5344CB8AC3E}">
+        <p14:creationId xmlns:p14="http://schemas.microsoft.com/office/powerpoint/2010/main" val="3447543387"/>
       </p:ext>
     </p:extLst>
   </p:cSld>

--- a/yocto/环境构筑.pptx
+++ b/yocto/环境构筑.pptx
@@ -4001,14 +4001,14 @@
       </p:grpSpPr>
       <p:sp>
         <p:nvSpPr>
-          <p:cNvPr id="2" name="文本框 1"/>
+          <p:cNvPr id="3" name="文本框 2"/>
           <p:cNvSpPr txBox="1"/>
           <p:nvPr/>
         </p:nvSpPr>
         <p:spPr>
           <a:xfrm>
-            <a:off x="635000" y="622300"/>
-            <a:ext cx="10515600" cy="923330"/>
+            <a:off x="825500" y="800100"/>
+            <a:ext cx="10515600" cy="5909310"/>
           </a:xfrm>
           <a:prstGeom prst="rect">
             <a:avLst/>
@@ -4022,30 +4022,262 @@
           <a:lstStyle/>
           <a:p>
             <a:r>
+              <a:rPr lang="zh-CN" altLang="en-US" dirty="0" smtClean="0">
+                <a:sym typeface="Wingdings" panose="05000000000000000000" pitchFamily="2" charset="2"/>
+              </a:rPr>
+              <a:t>参照以下链接，快速创建</a:t>
+            </a:r>
+            <a:r>
+              <a:rPr lang="en-US" altLang="zh-CN" dirty="0" smtClean="0">
+                <a:sym typeface="Wingdings" panose="05000000000000000000" pitchFamily="2" charset="2"/>
+              </a:rPr>
+              <a:t>core-image-</a:t>
+            </a:r>
+            <a:r>
+              <a:rPr lang="en-US" altLang="zh-CN" dirty="0" err="1" smtClean="0">
+                <a:sym typeface="Wingdings" panose="05000000000000000000" pitchFamily="2" charset="2"/>
+              </a:rPr>
+              <a:t>sato</a:t>
+            </a:r>
+            <a:r>
+              <a:rPr lang="zh-CN" altLang="en-US" dirty="0" smtClean="0">
+                <a:sym typeface="Wingdings" panose="05000000000000000000" pitchFamily="2" charset="2"/>
+              </a:rPr>
+              <a:t>，并运行</a:t>
+            </a:r>
+            <a:endParaRPr lang="en-US" altLang="zh-CN" dirty="0" smtClean="0">
+              <a:sym typeface="Wingdings" panose="05000000000000000000" pitchFamily="2" charset="2"/>
+            </a:endParaRPr>
+          </a:p>
+          <a:p>
+            <a:endParaRPr lang="en-US" altLang="zh-CN" dirty="0">
+              <a:sym typeface="Wingdings" panose="05000000000000000000" pitchFamily="2" charset="2"/>
+            </a:endParaRPr>
+          </a:p>
+          <a:p>
+            <a:r>
               <a:rPr lang="arn-CL" altLang="zh-CN" dirty="0">
                 <a:sym typeface="Wingdings" panose="05000000000000000000" pitchFamily="2" charset="2"/>
-                <a:hlinkClick r:id="rId2"/>
               </a:rPr>
               <a:t>https://</a:t>
             </a:r>
             <a:r>
               <a:rPr lang="arn-CL" altLang="zh-CN" dirty="0" smtClean="0">
                 <a:sym typeface="Wingdings" panose="05000000000000000000" pitchFamily="2" charset="2"/>
-                <a:hlinkClick r:id="rId2"/>
               </a:rPr>
               <a:t>docs.yoctoproject.org/brief-yoctoprojectqs/index.html</a:t>
             </a:r>
+          </a:p>
+          <a:p>
+            <a:endParaRPr lang="arn-CL" altLang="zh-CN" dirty="0">
+              <a:sym typeface="Wingdings" panose="05000000000000000000" pitchFamily="2" charset="2"/>
+            </a:endParaRPr>
+          </a:p>
+          <a:p>
             <a:endParaRPr lang="arn-CL" altLang="zh-CN" dirty="0" smtClean="0">
               <a:sym typeface="Wingdings" panose="05000000000000000000" pitchFamily="2" charset="2"/>
             </a:endParaRPr>
           </a:p>
           <a:p>
+            <a:r>
+              <a:rPr lang="zh-CN" altLang="en-US" dirty="0">
+                <a:sym typeface="Wingdings" panose="05000000000000000000" pitchFamily="2" charset="2"/>
+              </a:rPr>
+              <a:t>建</a:t>
+            </a:r>
+            <a:r>
+              <a:rPr lang="zh-CN" altLang="en-US" dirty="0" smtClean="0">
+                <a:sym typeface="Wingdings" panose="05000000000000000000" pitchFamily="2" charset="2"/>
+              </a:rPr>
+              <a:t>议先把下载的东西先下载完成，然后再生成</a:t>
+            </a:r>
+            <a:endParaRPr lang="en-US" altLang="zh-CN" dirty="0" smtClean="0">
+              <a:sym typeface="Wingdings" panose="05000000000000000000" pitchFamily="2" charset="2"/>
+            </a:endParaRPr>
+          </a:p>
+          <a:p>
+            <a:r>
+              <a:rPr lang="arn-CL" altLang="zh-CN" dirty="0">
+                <a:sym typeface="Wingdings" panose="05000000000000000000" pitchFamily="2" charset="2"/>
+              </a:rPr>
+              <a:t>bitbake core-image-sato --</a:t>
+            </a:r>
+            <a:r>
+              <a:rPr lang="arn-CL" altLang="zh-CN" dirty="0" smtClean="0">
+                <a:sym typeface="Wingdings" panose="05000000000000000000" pitchFamily="2" charset="2"/>
+              </a:rPr>
+              <a:t>runall=fetch</a:t>
+            </a:r>
+          </a:p>
+          <a:p>
             <a:endParaRPr lang="arn-CL" altLang="zh-CN" dirty="0">
               <a:sym typeface="Wingdings" panose="05000000000000000000" pitchFamily="2" charset="2"/>
             </a:endParaRPr>
           </a:p>
           <a:p>
+            <a:endParaRPr lang="arn-CL" altLang="zh-CN" dirty="0" smtClean="0">
+              <a:sym typeface="Wingdings" panose="05000000000000000000" pitchFamily="2" charset="2"/>
+            </a:endParaRPr>
+          </a:p>
+          <a:p>
+            <a:r>
+              <a:rPr lang="arn-CL" altLang="zh-CN" dirty="0">
+                <a:sym typeface="Wingdings" panose="05000000000000000000" pitchFamily="2" charset="2"/>
+              </a:rPr>
+              <a:t>git://</a:t>
+            </a:r>
+            <a:r>
+              <a:rPr lang="arn-CL" altLang="zh-CN" dirty="0" smtClean="0">
+                <a:sym typeface="Wingdings" panose="05000000000000000000" pitchFamily="2" charset="2"/>
+              </a:rPr>
+              <a:t>git.yoctoproject.org/poky</a:t>
+            </a:r>
+          </a:p>
+          <a:p>
+            <a:r>
+              <a:rPr lang="zh-CN" altLang="en-US" dirty="0" smtClean="0">
+                <a:sym typeface="Wingdings" panose="05000000000000000000" pitchFamily="2" charset="2"/>
+              </a:rPr>
+              <a:t>可替换为</a:t>
+            </a:r>
             <a:endParaRPr lang="en-US" altLang="zh-CN" dirty="0" smtClean="0">
+              <a:sym typeface="Wingdings" panose="05000000000000000000" pitchFamily="2" charset="2"/>
+            </a:endParaRPr>
+          </a:p>
+          <a:p>
+            <a:r>
+              <a:rPr lang="arn-CL" altLang="zh-CN" dirty="0">
+                <a:sym typeface="Wingdings" panose="05000000000000000000" pitchFamily="2" charset="2"/>
+              </a:rPr>
+              <a:t>https://</a:t>
+            </a:r>
+            <a:r>
+              <a:rPr lang="arn-CL" altLang="zh-CN" dirty="0" smtClean="0">
+                <a:sym typeface="Wingdings" panose="05000000000000000000" pitchFamily="2" charset="2"/>
+              </a:rPr>
+              <a:t>git.yoctoproject.org/poky</a:t>
+            </a:r>
+          </a:p>
+          <a:p>
+            <a:endParaRPr lang="arn-CL" altLang="zh-CN" dirty="0">
+              <a:sym typeface="Wingdings" panose="05000000000000000000" pitchFamily="2" charset="2"/>
+            </a:endParaRPr>
+          </a:p>
+          <a:p>
+            <a:endParaRPr lang="arn-CL" altLang="zh-CN" dirty="0" smtClean="0">
+              <a:sym typeface="Wingdings" panose="05000000000000000000" pitchFamily="2" charset="2"/>
+            </a:endParaRPr>
+          </a:p>
+          <a:p>
+            <a:r>
+              <a:rPr lang="zh-CN" altLang="en-US" dirty="0">
+                <a:sym typeface="Wingdings" panose="05000000000000000000" pitchFamily="2" charset="2"/>
+              </a:rPr>
+              <a:t>可</a:t>
+            </a:r>
+            <a:r>
+              <a:rPr lang="zh-CN" altLang="en-US" dirty="0" smtClean="0">
+                <a:sym typeface="Wingdings" panose="05000000000000000000" pitchFamily="2" charset="2"/>
+              </a:rPr>
+              <a:t>能需要</a:t>
+            </a:r>
+            <a:r>
+              <a:rPr lang="en-US" altLang="zh-CN" dirty="0" smtClean="0">
+                <a:sym typeface="Wingdings" panose="05000000000000000000" pitchFamily="2" charset="2"/>
+              </a:rPr>
+              <a:t>disable </a:t>
+            </a:r>
+            <a:r>
+              <a:rPr lang="en-US" altLang="zh-CN" dirty="0" err="1" smtClean="0">
+                <a:sym typeface="Wingdings" panose="05000000000000000000" pitchFamily="2" charset="2"/>
+              </a:rPr>
+              <a:t>AppArmor</a:t>
+            </a:r>
+            <a:endParaRPr lang="en-US" altLang="zh-CN" dirty="0" smtClean="0">
+              <a:sym typeface="Wingdings" panose="05000000000000000000" pitchFamily="2" charset="2"/>
+            </a:endParaRPr>
+          </a:p>
+          <a:p>
+            <a:endParaRPr lang="en-US" altLang="zh-CN" dirty="0">
+              <a:sym typeface="Wingdings" panose="05000000000000000000" pitchFamily="2" charset="2"/>
+            </a:endParaRPr>
+          </a:p>
+          <a:p>
+            <a:endParaRPr lang="en-US" altLang="zh-CN" dirty="0" smtClean="0">
+              <a:sym typeface="Wingdings" panose="05000000000000000000" pitchFamily="2" charset="2"/>
+            </a:endParaRPr>
+          </a:p>
+          <a:p>
+            <a:r>
+              <a:rPr lang="zh-CN" altLang="en-US" dirty="0" smtClean="0">
+                <a:sym typeface="Wingdings" panose="05000000000000000000" pitchFamily="2" charset="2"/>
+              </a:rPr>
+              <a:t>为调查</a:t>
+            </a:r>
+            <a:r>
+              <a:rPr lang="en-US" altLang="zh-CN" dirty="0" smtClean="0">
+                <a:sym typeface="Wingdings" panose="05000000000000000000" pitchFamily="2" charset="2"/>
+              </a:rPr>
+              <a:t>OSS</a:t>
+            </a:r>
+            <a:r>
+              <a:rPr lang="zh-CN" altLang="en-US" dirty="0" smtClean="0">
+                <a:sym typeface="Wingdings" panose="05000000000000000000" pitchFamily="2" charset="2"/>
+              </a:rPr>
+              <a:t>，可使用以下命令列出所有</a:t>
+            </a:r>
+            <a:r>
+              <a:rPr lang="en-US" altLang="zh-CN" dirty="0" smtClean="0">
+                <a:sym typeface="Wingdings" panose="05000000000000000000" pitchFamily="2" charset="2"/>
+              </a:rPr>
+              <a:t>recipe</a:t>
+            </a:r>
+            <a:r>
+              <a:rPr lang="zh-CN" altLang="en-US" dirty="0" smtClean="0">
+                <a:sym typeface="Wingdings" panose="05000000000000000000" pitchFamily="2" charset="2"/>
+              </a:rPr>
+              <a:t>逐个确认</a:t>
+            </a:r>
+            <a:endParaRPr lang="arn-CL" altLang="zh-CN" dirty="0" smtClean="0">
+              <a:sym typeface="Wingdings" panose="05000000000000000000" pitchFamily="2" charset="2"/>
+            </a:endParaRPr>
+          </a:p>
+          <a:p>
+            <a:endParaRPr lang="arn-CL" altLang="zh-CN" dirty="0" smtClean="0">
+              <a:sym typeface="Wingdings" panose="05000000000000000000" pitchFamily="2" charset="2"/>
+            </a:endParaRPr>
+          </a:p>
+          <a:p>
+            <a:r>
+              <a:rPr lang="zh-CN" altLang="en-US" dirty="0" smtClean="0">
+                <a:sym typeface="Wingdings" panose="05000000000000000000" pitchFamily="2" charset="2"/>
+              </a:rPr>
+              <a:t>当前</a:t>
+            </a:r>
+            <a:r>
+              <a:rPr lang="en-US" altLang="zh-CN" dirty="0" smtClean="0">
+                <a:sym typeface="Wingdings" panose="05000000000000000000" pitchFamily="2" charset="2"/>
+              </a:rPr>
+              <a:t>poky</a:t>
+            </a:r>
+            <a:r>
+              <a:rPr lang="zh-CN" altLang="en-US" dirty="0" smtClean="0">
+                <a:sym typeface="Wingdings" panose="05000000000000000000" pitchFamily="2" charset="2"/>
+              </a:rPr>
+              <a:t>版本</a:t>
+            </a:r>
+            <a:endParaRPr lang="en-US" altLang="zh-CN" dirty="0" smtClean="0">
+              <a:sym typeface="Wingdings" panose="05000000000000000000" pitchFamily="2" charset="2"/>
+            </a:endParaRPr>
+          </a:p>
+          <a:p>
+            <a:r>
+              <a:rPr lang="arn-CL" altLang="zh-CN" dirty="0">
+                <a:sym typeface="Wingdings" panose="05000000000000000000" pitchFamily="2" charset="2"/>
+              </a:rPr>
+              <a:t>commit 2240b92d62618d6125bd825647392d3bb5a2d038</a:t>
+            </a:r>
+            <a:endParaRPr lang="arn-CL" altLang="zh-CN" dirty="0">
               <a:sym typeface="Wingdings" panose="05000000000000000000" pitchFamily="2" charset="2"/>
             </a:endParaRPr>
           </a:p>
